--- a/obj/Release/Package/PackageTmp/Docs/Adam Franzen COSC6000 FA2 2016 Presentation 3.pptx
+++ b/obj/Release/Package/PackageTmp/Docs/Adam Franzen COSC6000 FA2 2016 Presentation 3.pptx
@@ -20,12 +20,10 @@
     <p:sldId id="270" r:id="rId14"/>
     <p:sldId id="272" r:id="rId15"/>
     <p:sldId id="274" r:id="rId16"/>
-    <p:sldId id="273" r:id="rId17"/>
+    <p:sldId id="258" r:id="rId17"/>
     <p:sldId id="275" r:id="rId18"/>
-    <p:sldId id="276" r:id="rId19"/>
-    <p:sldId id="260" r:id="rId20"/>
-    <p:sldId id="258" r:id="rId21"/>
-    <p:sldId id="259" r:id="rId22"/>
+    <p:sldId id="259" r:id="rId19"/>
+    <p:sldId id="276" r:id="rId20"/>
   </p:sldIdLst>
   <p:sldSz cx="12192000" cy="6858000"/>
   <p:notesSz cx="6858000" cy="9144000"/>
@@ -855,7 +853,7 @@
             <a:fld id="{B61BEF0D-F0BB-DE4B-95CE-6DB70DBA9567}" type="datetimeFigureOut">
               <a:rPr lang="en-US" dirty="0"/>
               <a:pPr/>
-              <a:t>11/7/2016</a:t>
+              <a:t>12/12/2016</a:t>
             </a:fld>
             <a:endParaRPr lang="en-US" dirty="0"/>
           </a:p>
@@ -1103,7 +1101,7 @@
             <a:fld id="{B61BEF0D-F0BB-DE4B-95CE-6DB70DBA9567}" type="datetimeFigureOut">
               <a:rPr lang="en-US" dirty="0"/>
               <a:pPr/>
-              <a:t>11/7/2016</a:t>
+              <a:t>12/12/2016</a:t>
             </a:fld>
             <a:endParaRPr lang="en-US" dirty="0"/>
           </a:p>
@@ -1414,7 +1412,7 @@
             <a:fld id="{B61BEF0D-F0BB-DE4B-95CE-6DB70DBA9567}" type="datetimeFigureOut">
               <a:rPr lang="en-US" dirty="0"/>
               <a:pPr/>
-              <a:t>11/7/2016</a:t>
+              <a:t>12/12/2016</a:t>
             </a:fld>
             <a:endParaRPr lang="en-US" dirty="0"/>
           </a:p>
@@ -1752,7 +1750,7 @@
             <a:fld id="{B61BEF0D-F0BB-DE4B-95CE-6DB70DBA9567}" type="datetimeFigureOut">
               <a:rPr lang="en-US" dirty="0"/>
               <a:pPr/>
-              <a:t>11/7/2016</a:t>
+              <a:t>12/12/2016</a:t>
             </a:fld>
             <a:endParaRPr lang="en-US" dirty="0"/>
           </a:p>
@@ -2063,7 +2061,7 @@
             <a:fld id="{B61BEF0D-F0BB-DE4B-95CE-6DB70DBA9567}" type="datetimeFigureOut">
               <a:rPr lang="en-US" dirty="0"/>
               <a:pPr/>
-              <a:t>11/7/2016</a:t>
+              <a:t>12/12/2016</a:t>
             </a:fld>
             <a:endParaRPr lang="en-US" dirty="0"/>
           </a:p>
@@ -2453,7 +2451,7 @@
             <a:fld id="{B61BEF0D-F0BB-DE4B-95CE-6DB70DBA9567}" type="datetimeFigureOut">
               <a:rPr lang="en-US" dirty="0"/>
               <a:pPr/>
-              <a:t>11/7/2016</a:t>
+              <a:t>12/12/2016</a:t>
             </a:fld>
             <a:endParaRPr lang="en-US" dirty="0"/>
           </a:p>
@@ -2619,7 +2617,7 @@
           <a:p>
             <a:fld id="{55C6B4A9-1611-4792-9094-5F34BCA07E0B}" type="datetimeFigureOut">
               <a:rPr lang="en-US" dirty="0"/>
-              <a:t>11/7/2016</a:t>
+              <a:t>12/12/2016</a:t>
             </a:fld>
             <a:endParaRPr lang="en-US" dirty="0"/>
           </a:p>
@@ -2795,7 +2793,7 @@
             <a:fld id="{B61BEF0D-F0BB-DE4B-95CE-6DB70DBA9567}" type="datetimeFigureOut">
               <a:rPr lang="en-US" dirty="0"/>
               <a:pPr/>
-              <a:t>11/7/2016</a:t>
+              <a:t>12/12/2016</a:t>
             </a:fld>
             <a:endParaRPr lang="en-US" dirty="0"/>
           </a:p>
@@ -2968,7 +2966,7 @@
             <a:fld id="{B61BEF0D-F0BB-DE4B-95CE-6DB70DBA9567}" type="datetimeFigureOut">
               <a:rPr lang="en-US" dirty="0"/>
               <a:pPr/>
-              <a:t>11/7/2016</a:t>
+              <a:t>12/12/2016</a:t>
             </a:fld>
             <a:endParaRPr lang="en-US" dirty="0"/>
           </a:p>
@@ -3212,7 +3210,7 @@
             <a:fld id="{B61BEF0D-F0BB-DE4B-95CE-6DB70DBA9567}" type="datetimeFigureOut">
               <a:rPr lang="en-US" dirty="0"/>
               <a:pPr/>
-              <a:t>11/7/2016</a:t>
+              <a:t>12/12/2016</a:t>
             </a:fld>
             <a:endParaRPr lang="en-US" dirty="0"/>
           </a:p>
@@ -3440,7 +3438,7 @@
           <a:p>
             <a:fld id="{EB712588-04B1-427B-82EE-E8DB90309F08}" type="datetimeFigureOut">
               <a:rPr lang="en-US" dirty="0"/>
-              <a:t>11/7/2016</a:t>
+              <a:t>12/12/2016</a:t>
             </a:fld>
             <a:endParaRPr lang="en-US" dirty="0"/>
           </a:p>
@@ -3810,7 +3808,7 @@
             <a:fld id="{B61BEF0D-F0BB-DE4B-95CE-6DB70DBA9567}" type="datetimeFigureOut">
               <a:rPr lang="en-US" dirty="0"/>
               <a:pPr/>
-              <a:t>11/7/2016</a:t>
+              <a:t>12/12/2016</a:t>
             </a:fld>
             <a:endParaRPr lang="en-US" dirty="0"/>
           </a:p>
@@ -3930,7 +3928,7 @@
             <a:fld id="{B61BEF0D-F0BB-DE4B-95CE-6DB70DBA9567}" type="datetimeFigureOut">
               <a:rPr lang="en-US" dirty="0"/>
               <a:pPr/>
-              <a:t>11/7/2016</a:t>
+              <a:t>12/12/2016</a:t>
             </a:fld>
             <a:endParaRPr lang="en-US" dirty="0"/>
           </a:p>
@@ -4022,7 +4020,7 @@
             <a:fld id="{B61BEF0D-F0BB-DE4B-95CE-6DB70DBA9567}" type="datetimeFigureOut">
               <a:rPr lang="en-US" dirty="0"/>
               <a:pPr/>
-              <a:t>11/7/2016</a:t>
+              <a:t>12/12/2016</a:t>
             </a:fld>
             <a:endParaRPr lang="en-US" dirty="0"/>
           </a:p>
@@ -4273,7 +4271,7 @@
           <a:p>
             <a:fld id="{42A54C80-263E-416B-A8E0-580EDEADCBDC}" type="datetimeFigureOut">
               <a:rPr lang="en-US" dirty="0"/>
-              <a:t>11/7/2016</a:t>
+              <a:t>12/12/2016</a:t>
             </a:fld>
             <a:endParaRPr lang="en-US" dirty="0"/>
           </a:p>
@@ -4532,7 +4530,7 @@
             <a:fld id="{B61BEF0D-F0BB-DE4B-95CE-6DB70DBA9567}" type="datetimeFigureOut">
               <a:rPr lang="en-US" dirty="0"/>
               <a:pPr/>
-              <a:t>11/7/2016</a:t>
+              <a:t>12/12/2016</a:t>
             </a:fld>
             <a:endParaRPr lang="en-US" dirty="0"/>
           </a:p>
@@ -5272,7 +5270,7 @@
             <a:fld id="{B61BEF0D-F0BB-DE4B-95CE-6DB70DBA9567}" type="datetimeFigureOut">
               <a:rPr lang="en-US" dirty="0"/>
               <a:pPr/>
-              <a:t>11/7/2016</a:t>
+              <a:t>12/12/2016</a:t>
             </a:fld>
             <a:endParaRPr lang="en-US" dirty="0"/>
           </a:p>
@@ -5945,14 +5943,14 @@
             <a:pPr lvl="1"/>
             <a:r>
               <a:rPr lang="en-US" dirty="0"/>
-              <a:t>Create/Update office staff</a:t>
+              <a:t>Create/Update office staff and clients</a:t>
             </a:r>
           </a:p>
           <a:p>
             <a:pPr lvl="1"/>
             <a:r>
               <a:rPr lang="en-US" dirty="0"/>
-              <a:t>Create/Update clinics, services, and staff qualifications</a:t>
+              <a:t>Create/Update clinics, services</a:t>
             </a:r>
           </a:p>
         </p:txBody>
@@ -6347,35 +6345,26 @@
       </p:sp>
       <p:pic>
         <p:nvPicPr>
-          <p:cNvPr id="4" name="Picture 3"/>
-          <p:cNvPicPr/>
+          <p:cNvPr id="3" name="Picture 2"/>
+          <p:cNvPicPr>
+            <a:picLocks noChangeAspect="1"/>
+          </p:cNvPicPr>
           <p:nvPr/>
         </p:nvPicPr>
         <p:blipFill>
-          <a:blip r:embed="rId2">
-            <a:extLst>
-              <a:ext uri="{28A0092B-C50C-407E-A947-70E740481C1C}">
-                <a14:useLocalDpi xmlns:a14="http://schemas.microsoft.com/office/drawing/2010/main" val="0"/>
-              </a:ext>
-            </a:extLst>
-          </a:blip>
-          <a:srcRect/>
+          <a:blip r:embed="rId2"/>
           <a:stretch>
             <a:fillRect/>
           </a:stretch>
         </p:blipFill>
-        <p:spPr bwMode="auto">
+        <p:spPr>
           <a:xfrm>
-            <a:off x="407773" y="1270000"/>
-            <a:ext cx="8637372" cy="5365578"/>
+            <a:off x="677333" y="1270000"/>
+            <a:ext cx="8318385" cy="5143500"/>
           </a:xfrm>
           <a:prstGeom prst="rect">
             <a:avLst/>
           </a:prstGeom>
-          <a:noFill/>
-          <a:ln>
-            <a:noFill/>
-          </a:ln>
         </p:spPr>
       </p:pic>
     </p:spTree>
@@ -6432,7 +6421,7 @@
       </p:sp>
       <p:pic>
         <p:nvPicPr>
-          <p:cNvPr id="5" name="Picture 4"/>
+          <p:cNvPr id="7" name="Picture 6"/>
           <p:cNvPicPr>
             <a:picLocks noChangeAspect="1"/>
           </p:cNvPicPr>
@@ -6446,8 +6435,8 @@
         </p:blipFill>
         <p:spPr>
           <a:xfrm>
-            <a:off x="2710507" y="0"/>
-            <a:ext cx="8595926" cy="6858000"/>
+            <a:off x="2703841" y="439653"/>
+            <a:ext cx="6922071" cy="5991096"/>
           </a:xfrm>
           <a:prstGeom prst="rect">
             <a:avLst/>
@@ -6508,26 +6497,35 @@
       </p:sp>
       <p:pic>
         <p:nvPicPr>
-          <p:cNvPr id="5" name="Picture 4"/>
-          <p:cNvPicPr>
-            <a:picLocks noChangeAspect="1"/>
-          </p:cNvPicPr>
+          <p:cNvPr id="4" name="Picture 3"/>
+          <p:cNvPicPr/>
           <p:nvPr/>
         </p:nvPicPr>
         <p:blipFill>
-          <a:blip r:embed="rId2"/>
+          <a:blip r:embed="rId2">
+            <a:extLst>
+              <a:ext uri="{28A0092B-C50C-407E-A947-70E740481C1C}">
+                <a14:useLocalDpi xmlns:a14="http://schemas.microsoft.com/office/drawing/2010/main" val="0"/>
+              </a:ext>
+            </a:extLst>
+          </a:blip>
+          <a:srcRect/>
           <a:stretch>
             <a:fillRect/>
           </a:stretch>
         </p:blipFill>
-        <p:spPr>
+        <p:spPr bwMode="auto">
           <a:xfrm>
-            <a:off x="677334" y="1199362"/>
-            <a:ext cx="8681351" cy="4928682"/>
+            <a:off x="2718486" y="0"/>
+            <a:ext cx="9473514" cy="6858000"/>
           </a:xfrm>
           <a:prstGeom prst="rect">
             <a:avLst/>
           </a:prstGeom>
+          <a:noFill/>
+          <a:ln>
+            <a:noFill/>
+          </a:ln>
         </p:spPr>
       </p:pic>
     </p:spTree>
@@ -6577,39 +6575,69 @@
           <a:p>
             <a:r>
               <a:rPr lang="en-US" dirty="0"/>
-              <a:t>UML</a:t>
-            </a:r>
-          </a:p>
-        </p:txBody>
-      </p:sp>
-      <p:pic>
-        <p:nvPicPr>
-          <p:cNvPr id="4" name="Picture 3"/>
-          <p:cNvPicPr>
-            <a:picLocks noChangeAspect="1"/>
-          </p:cNvPicPr>
-          <p:nvPr/>
-        </p:nvPicPr>
-        <p:blipFill>
-          <a:blip r:embed="rId2"/>
-          <a:stretch>
-            <a:fillRect/>
-          </a:stretch>
-        </p:blipFill>
-        <p:spPr>
-          <a:xfrm>
-            <a:off x="1754659" y="890886"/>
-            <a:ext cx="8184678" cy="5528963"/>
-          </a:xfrm>
-          <a:prstGeom prst="rect">
-            <a:avLst/>
-          </a:prstGeom>
-        </p:spPr>
-      </p:pic>
+              <a:t>Status (still exciting things coming)</a:t>
+            </a:r>
+          </a:p>
+        </p:txBody>
+      </p:sp>
+      <p:sp>
+        <p:nvSpPr>
+          <p:cNvPr id="3" name="Content Placeholder 2"/>
+          <p:cNvSpPr>
+            <a:spLocks noGrp="1"/>
+          </p:cNvSpPr>
+          <p:nvPr>
+            <p:ph idx="1"/>
+          </p:nvPr>
+        </p:nvSpPr>
+        <p:spPr/>
+        <p:txBody>
+          <a:bodyPr>
+            <a:normAutofit/>
+          </a:bodyPr>
+          <a:lstStyle/>
+          <a:p>
+            <a:pPr lvl="1"/>
+            <a:r>
+              <a:rPr lang="en-US" dirty="0"/>
+              <a:t>Application in an operable state to do business</a:t>
+            </a:r>
+          </a:p>
+          <a:p>
+            <a:pPr lvl="1"/>
+            <a:r>
+              <a:rPr lang="en-US" dirty="0"/>
+              <a:t>Ability to process payments coming soon!</a:t>
+            </a:r>
+          </a:p>
+          <a:p>
+            <a:pPr lvl="1"/>
+            <a:r>
+              <a:rPr lang="en-US" dirty="0"/>
+              <a:t>Ability for client to create their own appointments coming soon!</a:t>
+            </a:r>
+          </a:p>
+          <a:p>
+            <a:pPr lvl="1"/>
+            <a:r>
+              <a:rPr lang="en-US" dirty="0"/>
+              <a:t>Ability to print bills out online coming soon!</a:t>
+            </a:r>
+          </a:p>
+          <a:p>
+            <a:pPr lvl="1"/>
+            <a:endParaRPr lang="en-US" dirty="0"/>
+          </a:p>
+          <a:p>
+            <a:pPr lvl="1"/>
+            <a:endParaRPr lang="en-US" dirty="0"/>
+          </a:p>
+        </p:txBody>
+      </p:sp>
     </p:spTree>
     <p:extLst>
       <p:ext uri="{BB962C8B-B14F-4D97-AF65-F5344CB8AC3E}">
-        <p14:creationId xmlns:p14="http://schemas.microsoft.com/office/powerpoint/2010/main" val="1456254355"/>
+        <p14:creationId xmlns:p14="http://schemas.microsoft.com/office/powerpoint/2010/main" val="875800517"/>
       </p:ext>
     </p:extLst>
   </p:cSld>
@@ -6653,7 +6681,7 @@
           <a:p>
             <a:r>
               <a:rPr lang="en-US" dirty="0"/>
-              <a:t>Use Cases</a:t>
+              <a:t>DEMO</a:t>
             </a:r>
           </a:p>
         </p:txBody>
@@ -6675,271 +6703,18 @@
           </a:bodyPr>
           <a:lstStyle/>
           <a:p>
-            <a:endParaRPr lang="en-US" dirty="0"/>
-          </a:p>
-        </p:txBody>
-      </p:sp>
-      <p:graphicFrame>
-        <p:nvGraphicFramePr>
-          <p:cNvPr id="4" name="Table 3"/>
-          <p:cNvGraphicFramePr>
-            <a:graphicFrameLocks noGrp="1"/>
-          </p:cNvGraphicFramePr>
-          <p:nvPr>
-            <p:extLst>
-              <p:ext uri="{D42A27DB-BD31-4B8C-83A1-F6EECF244321}">
-                <p14:modId xmlns:p14="http://schemas.microsoft.com/office/powerpoint/2010/main" val="2100465051"/>
-              </p:ext>
-            </p:extLst>
-          </p:nvPr>
-        </p:nvGraphicFramePr>
-        <p:xfrm>
-          <a:off x="677334" y="2160588"/>
-          <a:ext cx="8596668" cy="2868611"/>
-        </p:xfrm>
-        <a:graphic>
-          <a:graphicData uri="http://schemas.openxmlformats.org/drawingml/2006/table">
-            <a:tbl>
-              <a:tblPr firstRow="1" firstCol="1" bandRow="1">
-                <a:tableStyleId>{5C22544A-7EE6-4342-B048-85BDC9FD1C3A}</a:tableStyleId>
-              </a:tblPr>
-              <a:tblGrid>
-                <a:gridCol w="1567628">
-                  <a:extLst>
-                    <a:ext uri="{9D8B030D-6E8A-4147-A177-3AD203B41FA5}">
-                      <a16:colId xmlns:a16="http://schemas.microsoft.com/office/drawing/2014/main" val="4099316397"/>
-                    </a:ext>
-                  </a:extLst>
-                </a:gridCol>
-                <a:gridCol w="7029040">
-                  <a:extLst>
-                    <a:ext uri="{9D8B030D-6E8A-4147-A177-3AD203B41FA5}">
-                      <a16:colId xmlns:a16="http://schemas.microsoft.com/office/drawing/2014/main" val="481417833"/>
-                    </a:ext>
-                  </a:extLst>
-                </a:gridCol>
-              </a:tblGrid>
-              <a:tr h="712594">
-                <a:tc>
-                  <a:txBody>
-                    <a:bodyPr/>
-                    <a:lstStyle/>
-                    <a:p>
-                      <a:pPr marL="0" marR="0">
-                        <a:lnSpc>
-                          <a:spcPct val="107000"/>
-                        </a:lnSpc>
-                        <a:spcBef>
-                          <a:spcPts val="0"/>
-                        </a:spcBef>
-                        <a:spcAft>
-                          <a:spcPts val="0"/>
-                        </a:spcAft>
-                      </a:pPr>
-                      <a:r>
-                        <a:rPr lang="en-US" sz="1600">
-                          <a:effectLst/>
-                        </a:rPr>
-                        <a:t>Use Case Name:</a:t>
-                      </a:r>
-                      <a:endParaRPr lang="en-US" sz="1600">
-                        <a:effectLst/>
-                        <a:latin typeface="Calibri" panose="020F0502020204030204" pitchFamily="34" charset="0"/>
-                        <a:ea typeface="SimSun" panose="02010600030101010101" pitchFamily="2" charset="-122"/>
-                        <a:cs typeface="Arial" panose="020B0604020202020204" pitchFamily="34" charset="0"/>
-                      </a:endParaRPr>
-                    </a:p>
-                  </a:txBody>
-                  <a:tcPr marL="68580" marR="68580" marT="0" marB="0"/>
-                </a:tc>
-                <a:tc>
-                  <a:txBody>
-                    <a:bodyPr/>
-                    <a:lstStyle/>
-                    <a:p>
-                      <a:pPr marL="0" marR="0">
-                        <a:lnSpc>
-                          <a:spcPct val="107000"/>
-                        </a:lnSpc>
-                        <a:spcBef>
-                          <a:spcPts val="0"/>
-                        </a:spcBef>
-                        <a:spcAft>
-                          <a:spcPts val="0"/>
-                        </a:spcAft>
-                      </a:pPr>
-                      <a:r>
-                        <a:rPr lang="en-US" sz="1600">
-                          <a:effectLst/>
-                        </a:rPr>
-                        <a:t>Cancel Appointment</a:t>
-                      </a:r>
-                      <a:endParaRPr lang="en-US" sz="1600">
-                        <a:effectLst/>
-                        <a:latin typeface="Calibri" panose="020F0502020204030204" pitchFamily="34" charset="0"/>
-                        <a:ea typeface="SimSun" panose="02010600030101010101" pitchFamily="2" charset="-122"/>
-                        <a:cs typeface="Arial" panose="020B0604020202020204" pitchFamily="34" charset="0"/>
-                      </a:endParaRPr>
-                    </a:p>
-                  </a:txBody>
-                  <a:tcPr marL="68580" marR="68580" marT="0" marB="0"/>
-                </a:tc>
-                <a:extLst>
-                  <a:ext uri="{0D108BD9-81ED-4DB2-BD59-A6C34878D82A}">
-                    <a16:rowId xmlns:a16="http://schemas.microsoft.com/office/drawing/2014/main" val="3616881492"/>
-                  </a:ext>
-                </a:extLst>
-              </a:tr>
-              <a:tr h="347177">
-                <a:tc>
-                  <a:txBody>
-                    <a:bodyPr/>
-                    <a:lstStyle/>
-                    <a:p>
-                      <a:pPr marL="0" marR="0">
-                        <a:lnSpc>
-                          <a:spcPct val="107000"/>
-                        </a:lnSpc>
-                        <a:spcBef>
-                          <a:spcPts val="0"/>
-                        </a:spcBef>
-                        <a:spcAft>
-                          <a:spcPts val="0"/>
-                        </a:spcAft>
-                      </a:pPr>
-                      <a:r>
-                        <a:rPr lang="en-US" sz="1600">
-                          <a:effectLst/>
-                        </a:rPr>
-                        <a:t>Actors:</a:t>
-                      </a:r>
-                      <a:endParaRPr lang="en-US" sz="1600">
-                        <a:effectLst/>
-                        <a:latin typeface="Calibri" panose="020F0502020204030204" pitchFamily="34" charset="0"/>
-                        <a:ea typeface="SimSun" panose="02010600030101010101" pitchFamily="2" charset="-122"/>
-                        <a:cs typeface="Arial" panose="020B0604020202020204" pitchFamily="34" charset="0"/>
-                      </a:endParaRPr>
-                    </a:p>
-                  </a:txBody>
-                  <a:tcPr marL="68580" marR="68580" marT="0" marB="0"/>
-                </a:tc>
-                <a:tc>
-                  <a:txBody>
-                    <a:bodyPr/>
-                    <a:lstStyle/>
-                    <a:p>
-                      <a:pPr marL="0" marR="0">
-                        <a:lnSpc>
-                          <a:spcPct val="107000"/>
-                        </a:lnSpc>
-                        <a:spcBef>
-                          <a:spcPts val="0"/>
-                        </a:spcBef>
-                        <a:spcAft>
-                          <a:spcPts val="0"/>
-                        </a:spcAft>
-                      </a:pPr>
-                      <a:r>
-                        <a:rPr lang="en-US" sz="1600">
-                          <a:effectLst/>
-                        </a:rPr>
-                        <a:t>Client</a:t>
-                      </a:r>
-                      <a:endParaRPr lang="en-US" sz="1600">
-                        <a:effectLst/>
-                        <a:latin typeface="Calibri" panose="020F0502020204030204" pitchFamily="34" charset="0"/>
-                        <a:ea typeface="SimSun" panose="02010600030101010101" pitchFamily="2" charset="-122"/>
-                        <a:cs typeface="Arial" panose="020B0604020202020204" pitchFamily="34" charset="0"/>
-                      </a:endParaRPr>
-                    </a:p>
-                  </a:txBody>
-                  <a:tcPr marL="68580" marR="68580" marT="0" marB="0"/>
-                </a:tc>
-                <a:extLst>
-                  <a:ext uri="{0D108BD9-81ED-4DB2-BD59-A6C34878D82A}">
-                    <a16:rowId xmlns:a16="http://schemas.microsoft.com/office/drawing/2014/main" val="3794322700"/>
-                  </a:ext>
-                </a:extLst>
-              </a:tr>
-              <a:tr h="1808840">
-                <a:tc>
-                  <a:txBody>
-                    <a:bodyPr/>
-                    <a:lstStyle/>
-                    <a:p>
-                      <a:pPr marL="0" marR="0">
-                        <a:lnSpc>
-                          <a:spcPct val="107000"/>
-                        </a:lnSpc>
-                        <a:spcBef>
-                          <a:spcPts val="0"/>
-                        </a:spcBef>
-                        <a:spcAft>
-                          <a:spcPts val="0"/>
-                        </a:spcAft>
-                      </a:pPr>
-                      <a:r>
-                        <a:rPr lang="en-US" sz="1600">
-                          <a:effectLst/>
-                        </a:rPr>
-                        <a:t>Scenario:</a:t>
-                      </a:r>
-                      <a:endParaRPr lang="en-US" sz="1600">
-                        <a:effectLst/>
-                        <a:latin typeface="Calibri" panose="020F0502020204030204" pitchFamily="34" charset="0"/>
-                        <a:ea typeface="SimSun" panose="02010600030101010101" pitchFamily="2" charset="-122"/>
-                        <a:cs typeface="Arial" panose="020B0604020202020204" pitchFamily="34" charset="0"/>
-                      </a:endParaRPr>
-                    </a:p>
-                  </a:txBody>
-                  <a:tcPr marL="68580" marR="68580" marT="0" marB="0"/>
-                </a:tc>
-                <a:tc>
-                  <a:txBody>
-                    <a:bodyPr/>
-                    <a:lstStyle/>
-                    <a:p>
-                      <a:pPr marL="0" marR="0">
-                        <a:lnSpc>
-                          <a:spcPct val="107000"/>
-                        </a:lnSpc>
-                        <a:spcBef>
-                          <a:spcPts val="0"/>
-                        </a:spcBef>
-                        <a:spcAft>
-                          <a:spcPts val="0"/>
-                        </a:spcAft>
-                      </a:pPr>
-                      <a:r>
-                        <a:rPr lang="en-US" sz="1600" dirty="0">
-                          <a:effectLst/>
-                        </a:rPr>
-                        <a:t>The user logs in and comes to the landing page and selects Appointments.  Is presented with a list of appointments (likely only 1 or 2).  Clicks the appointment of interest and is presented with all of the appointment details.  The user then selects “Cancel Appointment”.  A confirmation message shows.  The user confirms.</a:t>
-                      </a:r>
-                      <a:endParaRPr lang="en-US" sz="1600" dirty="0">
-                        <a:effectLst/>
-                        <a:latin typeface="Calibri" panose="020F0502020204030204" pitchFamily="34" charset="0"/>
-                        <a:ea typeface="SimSun" panose="02010600030101010101" pitchFamily="2" charset="-122"/>
-                        <a:cs typeface="Arial" panose="020B0604020202020204" pitchFamily="34" charset="0"/>
-                      </a:endParaRPr>
-                    </a:p>
-                  </a:txBody>
-                  <a:tcPr marL="68580" marR="68580" marT="0" marB="0"/>
-                </a:tc>
-                <a:extLst>
-                  <a:ext uri="{0D108BD9-81ED-4DB2-BD59-A6C34878D82A}">
-                    <a16:rowId xmlns:a16="http://schemas.microsoft.com/office/drawing/2014/main" val="1963807435"/>
-                  </a:ext>
-                </a:extLst>
-              </a:tr>
-            </a:tbl>
-          </a:graphicData>
-        </a:graphic>
-      </p:graphicFrame>
+            <a:pPr lvl="1"/>
+            <a:r>
+              <a:rPr lang="en-US" dirty="0"/>
+              <a:t>Demo Time!</a:t>
+            </a:r>
+          </a:p>
+        </p:txBody>
+      </p:sp>
     </p:spTree>
     <p:extLst>
       <p:ext uri="{BB962C8B-B14F-4D97-AF65-F5344CB8AC3E}">
-        <p14:creationId xmlns:p14="http://schemas.microsoft.com/office/powerpoint/2010/main" val="678040482"/>
+        <p14:creationId xmlns:p14="http://schemas.microsoft.com/office/powerpoint/2010/main" val="1319813917"/>
       </p:ext>
     </p:extLst>
   </p:cSld>
@@ -6983,1660 +6758,90 @@
           <a:p>
             <a:r>
               <a:rPr lang="en-US" dirty="0"/>
-              <a:t>Use Cases</a:t>
-            </a:r>
-          </a:p>
-        </p:txBody>
-      </p:sp>
-      <p:graphicFrame>
-        <p:nvGraphicFramePr>
-          <p:cNvPr id="4" name="Table 3"/>
-          <p:cNvGraphicFramePr>
-            <a:graphicFrameLocks noGrp="1"/>
-          </p:cNvGraphicFramePr>
-          <p:nvPr>
-            <p:extLst>
-              <p:ext uri="{D42A27DB-BD31-4B8C-83A1-F6EECF244321}">
-                <p14:modId xmlns:p14="http://schemas.microsoft.com/office/powerpoint/2010/main" val="730447862"/>
-              </p:ext>
-            </p:extLst>
-          </p:nvPr>
-        </p:nvGraphicFramePr>
-        <p:xfrm>
-          <a:off x="1042364" y="1414729"/>
-          <a:ext cx="6633321" cy="5135536"/>
-        </p:xfrm>
-        <a:graphic>
-          <a:graphicData uri="http://schemas.openxmlformats.org/drawingml/2006/table">
-            <a:tbl>
-              <a:tblPr firstRow="1" firstCol="1" bandRow="1">
-                <a:tableStyleId>{5C22544A-7EE6-4342-B048-85BDC9FD1C3A}</a:tableStyleId>
-              </a:tblPr>
-              <a:tblGrid>
-                <a:gridCol w="1784257">
-                  <a:extLst>
-                    <a:ext uri="{9D8B030D-6E8A-4147-A177-3AD203B41FA5}">
-                      <a16:colId xmlns:a16="http://schemas.microsoft.com/office/drawing/2014/main" val="469405260"/>
-                    </a:ext>
-                  </a:extLst>
-                </a:gridCol>
-                <a:gridCol w="593587">
-                  <a:extLst>
-                    <a:ext uri="{9D8B030D-6E8A-4147-A177-3AD203B41FA5}">
-                      <a16:colId xmlns:a16="http://schemas.microsoft.com/office/drawing/2014/main" val="632821466"/>
-                    </a:ext>
-                  </a:extLst>
-                </a:gridCol>
-                <a:gridCol w="4255477">
-                  <a:extLst>
-                    <a:ext uri="{9D8B030D-6E8A-4147-A177-3AD203B41FA5}">
-                      <a16:colId xmlns:a16="http://schemas.microsoft.com/office/drawing/2014/main" val="2760293504"/>
-                    </a:ext>
-                  </a:extLst>
-                </a:gridCol>
-              </a:tblGrid>
-              <a:tr h="205702">
-                <a:tc>
-                  <a:txBody>
-                    <a:bodyPr/>
-                    <a:lstStyle/>
-                    <a:p>
-                      <a:pPr marL="0" marR="0">
-                        <a:lnSpc>
-                          <a:spcPct val="107000"/>
-                        </a:lnSpc>
-                        <a:spcBef>
-                          <a:spcPts val="0"/>
-                        </a:spcBef>
-                        <a:spcAft>
-                          <a:spcPts val="0"/>
-                        </a:spcAft>
-                      </a:pPr>
-                      <a:r>
-                        <a:rPr lang="en-US" sz="1200">
-                          <a:effectLst/>
-                        </a:rPr>
-                        <a:t>USE CASE #</a:t>
-                      </a:r>
-                      <a:endParaRPr lang="en-US" sz="1200">
-                        <a:effectLst/>
-                        <a:latin typeface="Calibri" panose="020F0502020204030204" pitchFamily="34" charset="0"/>
-                        <a:ea typeface="SimSun" panose="02010600030101010101" pitchFamily="2" charset="-122"/>
-                        <a:cs typeface="Arial" panose="020B0604020202020204" pitchFamily="34" charset="0"/>
-                      </a:endParaRPr>
-                    </a:p>
-                  </a:txBody>
-                  <a:tcPr marL="61828" marR="61828" marT="0" marB="0"/>
-                </a:tc>
-                <a:tc gridSpan="2">
-                  <a:txBody>
-                    <a:bodyPr/>
-                    <a:lstStyle/>
-                    <a:p>
-                      <a:pPr marL="0" marR="0">
-                        <a:lnSpc>
-                          <a:spcPct val="107000"/>
-                        </a:lnSpc>
-                        <a:spcBef>
-                          <a:spcPts val="0"/>
-                        </a:spcBef>
-                        <a:spcAft>
-                          <a:spcPts val="0"/>
-                        </a:spcAft>
-                      </a:pPr>
-                      <a:r>
-                        <a:rPr lang="en-US" sz="1200">
-                          <a:effectLst/>
-                        </a:rPr>
-                        <a:t>1</a:t>
-                      </a:r>
-                      <a:endParaRPr lang="en-US" sz="1200">
-                        <a:effectLst/>
-                        <a:latin typeface="Calibri" panose="020F0502020204030204" pitchFamily="34" charset="0"/>
-                        <a:ea typeface="SimSun" panose="02010600030101010101" pitchFamily="2" charset="-122"/>
-                        <a:cs typeface="Arial" panose="020B0604020202020204" pitchFamily="34" charset="0"/>
-                      </a:endParaRPr>
-                    </a:p>
-                  </a:txBody>
-                  <a:tcPr marL="61828" marR="61828" marT="0" marB="0"/>
-                </a:tc>
-                <a:tc hMerge="1">
-                  <a:txBody>
-                    <a:bodyPr/>
-                    <a:lstStyle/>
-                    <a:p>
-                      <a:endParaRPr lang="en-US"/>
-                    </a:p>
-                  </a:txBody>
-                  <a:tcPr/>
-                </a:tc>
-                <a:extLst>
-                  <a:ext uri="{0D108BD9-81ED-4DB2-BD59-A6C34878D82A}">
-                    <a16:rowId xmlns:a16="http://schemas.microsoft.com/office/drawing/2014/main" val="1213722863"/>
-                  </a:ext>
-                </a:extLst>
-              </a:tr>
-              <a:tr h="205702">
-                <a:tc>
-                  <a:txBody>
-                    <a:bodyPr/>
-                    <a:lstStyle/>
-                    <a:p>
-                      <a:pPr marL="0" marR="0">
-                        <a:lnSpc>
-                          <a:spcPct val="107000"/>
-                        </a:lnSpc>
-                        <a:spcBef>
-                          <a:spcPts val="0"/>
-                        </a:spcBef>
-                        <a:spcAft>
-                          <a:spcPts val="0"/>
-                        </a:spcAft>
-                      </a:pPr>
-                      <a:r>
-                        <a:rPr lang="en-US" sz="1200">
-                          <a:effectLst/>
-                        </a:rPr>
-                        <a:t>Goal in Context</a:t>
-                      </a:r>
-                      <a:endParaRPr lang="en-US" sz="1200">
-                        <a:effectLst/>
-                        <a:latin typeface="Calibri" panose="020F0502020204030204" pitchFamily="34" charset="0"/>
-                        <a:ea typeface="SimSun" panose="02010600030101010101" pitchFamily="2" charset="-122"/>
-                        <a:cs typeface="Arial" panose="020B0604020202020204" pitchFamily="34" charset="0"/>
-                      </a:endParaRPr>
-                    </a:p>
-                  </a:txBody>
-                  <a:tcPr marL="61828" marR="61828" marT="0" marB="0"/>
-                </a:tc>
-                <a:tc gridSpan="2">
-                  <a:txBody>
-                    <a:bodyPr/>
-                    <a:lstStyle/>
-                    <a:p>
-                      <a:pPr marL="0" marR="0">
-                        <a:lnSpc>
-                          <a:spcPct val="107000"/>
-                        </a:lnSpc>
-                        <a:spcBef>
-                          <a:spcPts val="0"/>
-                        </a:spcBef>
-                        <a:spcAft>
-                          <a:spcPts val="0"/>
-                        </a:spcAft>
-                      </a:pPr>
-                      <a:r>
-                        <a:rPr lang="en-US" sz="1200">
-                          <a:effectLst/>
-                        </a:rPr>
-                        <a:t>The user wants to cancel their appointment</a:t>
-                      </a:r>
-                      <a:endParaRPr lang="en-US" sz="1200">
-                        <a:effectLst/>
-                        <a:latin typeface="Calibri" panose="020F0502020204030204" pitchFamily="34" charset="0"/>
-                        <a:ea typeface="SimSun" panose="02010600030101010101" pitchFamily="2" charset="-122"/>
-                        <a:cs typeface="Arial" panose="020B0604020202020204" pitchFamily="34" charset="0"/>
-                      </a:endParaRPr>
-                    </a:p>
-                  </a:txBody>
-                  <a:tcPr marL="61828" marR="61828" marT="0" marB="0"/>
-                </a:tc>
-                <a:tc hMerge="1">
-                  <a:txBody>
-                    <a:bodyPr/>
-                    <a:lstStyle/>
-                    <a:p>
-                      <a:endParaRPr lang="en-US"/>
-                    </a:p>
-                  </a:txBody>
-                  <a:tcPr/>
-                </a:tc>
-                <a:extLst>
-                  <a:ext uri="{0D108BD9-81ED-4DB2-BD59-A6C34878D82A}">
-                    <a16:rowId xmlns:a16="http://schemas.microsoft.com/office/drawing/2014/main" val="1953518634"/>
-                  </a:ext>
-                </a:extLst>
-              </a:tr>
-              <a:tr h="205702">
-                <a:tc>
-                  <a:txBody>
-                    <a:bodyPr/>
-                    <a:lstStyle/>
-                    <a:p>
-                      <a:pPr marL="0" marR="0">
-                        <a:lnSpc>
-                          <a:spcPct val="107000"/>
-                        </a:lnSpc>
-                        <a:spcBef>
-                          <a:spcPts val="0"/>
-                        </a:spcBef>
-                        <a:spcAft>
-                          <a:spcPts val="0"/>
-                        </a:spcAft>
-                      </a:pPr>
-                      <a:r>
-                        <a:rPr lang="en-US" sz="1200" dirty="0">
-                          <a:effectLst/>
-                        </a:rPr>
-                        <a:t>Scope &amp; Level</a:t>
-                      </a:r>
-                      <a:endParaRPr lang="en-US" sz="1200" dirty="0">
-                        <a:effectLst/>
-                        <a:latin typeface="Calibri" panose="020F0502020204030204" pitchFamily="34" charset="0"/>
-                        <a:ea typeface="SimSun" panose="02010600030101010101" pitchFamily="2" charset="-122"/>
-                        <a:cs typeface="Arial" panose="020B0604020202020204" pitchFamily="34" charset="0"/>
-                      </a:endParaRPr>
-                    </a:p>
-                  </a:txBody>
-                  <a:tcPr marL="61828" marR="61828" marT="0" marB="0"/>
-                </a:tc>
-                <a:tc gridSpan="2">
-                  <a:txBody>
-                    <a:bodyPr/>
-                    <a:lstStyle/>
-                    <a:p>
-                      <a:pPr marL="0" marR="0">
-                        <a:lnSpc>
-                          <a:spcPct val="107000"/>
-                        </a:lnSpc>
-                        <a:spcBef>
-                          <a:spcPts val="0"/>
-                        </a:spcBef>
-                        <a:spcAft>
-                          <a:spcPts val="0"/>
-                        </a:spcAft>
-                      </a:pPr>
-                      <a:r>
-                        <a:rPr lang="en-US" sz="1200">
-                          <a:effectLst/>
-                        </a:rPr>
-                        <a:t>Primary Task</a:t>
-                      </a:r>
-                      <a:endParaRPr lang="en-US" sz="1200">
-                        <a:effectLst/>
-                        <a:latin typeface="Calibri" panose="020F0502020204030204" pitchFamily="34" charset="0"/>
-                        <a:ea typeface="SimSun" panose="02010600030101010101" pitchFamily="2" charset="-122"/>
-                        <a:cs typeface="Arial" panose="020B0604020202020204" pitchFamily="34" charset="0"/>
-                      </a:endParaRPr>
-                    </a:p>
-                  </a:txBody>
-                  <a:tcPr marL="61828" marR="61828" marT="0" marB="0"/>
-                </a:tc>
-                <a:tc hMerge="1">
-                  <a:txBody>
-                    <a:bodyPr/>
-                    <a:lstStyle/>
-                    <a:p>
-                      <a:endParaRPr lang="en-US"/>
-                    </a:p>
-                  </a:txBody>
-                  <a:tcPr/>
-                </a:tc>
-                <a:extLst>
-                  <a:ext uri="{0D108BD9-81ED-4DB2-BD59-A6C34878D82A}">
-                    <a16:rowId xmlns:a16="http://schemas.microsoft.com/office/drawing/2014/main" val="734742592"/>
-                  </a:ext>
-                </a:extLst>
-              </a:tr>
-              <a:tr h="205702">
-                <a:tc>
-                  <a:txBody>
-                    <a:bodyPr/>
-                    <a:lstStyle/>
-                    <a:p>
-                      <a:pPr marL="0" marR="0">
-                        <a:lnSpc>
-                          <a:spcPct val="107000"/>
-                        </a:lnSpc>
-                        <a:spcBef>
-                          <a:spcPts val="0"/>
-                        </a:spcBef>
-                        <a:spcAft>
-                          <a:spcPts val="0"/>
-                        </a:spcAft>
-                      </a:pPr>
-                      <a:r>
-                        <a:rPr lang="en-US" sz="1200">
-                          <a:effectLst/>
-                        </a:rPr>
-                        <a:t>Preconditions</a:t>
-                      </a:r>
-                      <a:endParaRPr lang="en-US" sz="1200">
-                        <a:effectLst/>
-                        <a:latin typeface="Calibri" panose="020F0502020204030204" pitchFamily="34" charset="0"/>
-                        <a:ea typeface="SimSun" panose="02010600030101010101" pitchFamily="2" charset="-122"/>
-                        <a:cs typeface="Arial" panose="020B0604020202020204" pitchFamily="34" charset="0"/>
-                      </a:endParaRPr>
-                    </a:p>
-                  </a:txBody>
-                  <a:tcPr marL="61828" marR="61828" marT="0" marB="0"/>
-                </a:tc>
-                <a:tc gridSpan="2">
-                  <a:txBody>
-                    <a:bodyPr/>
-                    <a:lstStyle/>
-                    <a:p>
-                      <a:pPr marL="0" marR="0">
-                        <a:lnSpc>
-                          <a:spcPct val="107000"/>
-                        </a:lnSpc>
-                        <a:spcBef>
-                          <a:spcPts val="0"/>
-                        </a:spcBef>
-                        <a:spcAft>
-                          <a:spcPts val="0"/>
-                        </a:spcAft>
-                      </a:pPr>
-                      <a:r>
-                        <a:rPr lang="en-US" sz="1200">
-                          <a:effectLst/>
-                        </a:rPr>
-                        <a:t>User is already registered and can login</a:t>
-                      </a:r>
-                      <a:endParaRPr lang="en-US" sz="1200">
-                        <a:effectLst/>
-                        <a:latin typeface="Calibri" panose="020F0502020204030204" pitchFamily="34" charset="0"/>
-                        <a:ea typeface="SimSun" panose="02010600030101010101" pitchFamily="2" charset="-122"/>
-                        <a:cs typeface="Arial" panose="020B0604020202020204" pitchFamily="34" charset="0"/>
-                      </a:endParaRPr>
-                    </a:p>
-                  </a:txBody>
-                  <a:tcPr marL="61828" marR="61828" marT="0" marB="0"/>
-                </a:tc>
-                <a:tc hMerge="1">
-                  <a:txBody>
-                    <a:bodyPr/>
-                    <a:lstStyle/>
-                    <a:p>
-                      <a:endParaRPr lang="en-US"/>
-                    </a:p>
-                  </a:txBody>
-                  <a:tcPr/>
-                </a:tc>
-                <a:extLst>
-                  <a:ext uri="{0D108BD9-81ED-4DB2-BD59-A6C34878D82A}">
-                    <a16:rowId xmlns:a16="http://schemas.microsoft.com/office/drawing/2014/main" val="83883617"/>
-                  </a:ext>
-                </a:extLst>
-              </a:tr>
-              <a:tr h="404398">
-                <a:tc>
-                  <a:txBody>
-                    <a:bodyPr/>
-                    <a:lstStyle/>
-                    <a:p>
-                      <a:pPr marL="0" marR="0">
-                        <a:lnSpc>
-                          <a:spcPct val="107000"/>
-                        </a:lnSpc>
-                        <a:spcBef>
-                          <a:spcPts val="0"/>
-                        </a:spcBef>
-                        <a:spcAft>
-                          <a:spcPts val="0"/>
-                        </a:spcAft>
-                      </a:pPr>
-                      <a:r>
-                        <a:rPr lang="en-US" sz="1200">
-                          <a:effectLst/>
-                        </a:rPr>
-                        <a:t>Success End Condition</a:t>
-                      </a:r>
-                      <a:endParaRPr lang="en-US" sz="1200">
-                        <a:effectLst/>
-                        <a:latin typeface="Calibri" panose="020F0502020204030204" pitchFamily="34" charset="0"/>
-                        <a:ea typeface="SimSun" panose="02010600030101010101" pitchFamily="2" charset="-122"/>
-                        <a:cs typeface="Arial" panose="020B0604020202020204" pitchFamily="34" charset="0"/>
-                      </a:endParaRPr>
-                    </a:p>
-                  </a:txBody>
-                  <a:tcPr marL="61828" marR="61828" marT="0" marB="0"/>
-                </a:tc>
-                <a:tc gridSpan="2">
-                  <a:txBody>
-                    <a:bodyPr/>
-                    <a:lstStyle/>
-                    <a:p>
-                      <a:pPr marL="0" marR="0">
-                        <a:lnSpc>
-                          <a:spcPct val="107000"/>
-                        </a:lnSpc>
-                        <a:spcBef>
-                          <a:spcPts val="0"/>
-                        </a:spcBef>
-                        <a:spcAft>
-                          <a:spcPts val="0"/>
-                        </a:spcAft>
-                      </a:pPr>
-                      <a:r>
-                        <a:rPr lang="en-US" sz="1200">
-                          <a:effectLst/>
-                        </a:rPr>
-                        <a:t>Appointment is cancelled</a:t>
-                      </a:r>
-                      <a:endParaRPr lang="en-US" sz="1200">
-                        <a:effectLst/>
-                        <a:latin typeface="Calibri" panose="020F0502020204030204" pitchFamily="34" charset="0"/>
-                        <a:ea typeface="SimSun" panose="02010600030101010101" pitchFamily="2" charset="-122"/>
-                        <a:cs typeface="Arial" panose="020B0604020202020204" pitchFamily="34" charset="0"/>
-                      </a:endParaRPr>
-                    </a:p>
-                  </a:txBody>
-                  <a:tcPr marL="61828" marR="61828" marT="0" marB="0"/>
-                </a:tc>
-                <a:tc hMerge="1">
-                  <a:txBody>
-                    <a:bodyPr/>
-                    <a:lstStyle/>
-                    <a:p>
-                      <a:endParaRPr lang="en-US"/>
-                    </a:p>
-                  </a:txBody>
-                  <a:tcPr/>
-                </a:tc>
-                <a:extLst>
-                  <a:ext uri="{0D108BD9-81ED-4DB2-BD59-A6C34878D82A}">
-                    <a16:rowId xmlns:a16="http://schemas.microsoft.com/office/drawing/2014/main" val="349155881"/>
-                  </a:ext>
-                </a:extLst>
-              </a:tr>
-              <a:tr h="205702">
-                <a:tc>
-                  <a:txBody>
-                    <a:bodyPr/>
-                    <a:lstStyle/>
-                    <a:p>
-                      <a:pPr marL="0" marR="0">
-                        <a:lnSpc>
-                          <a:spcPct val="107000"/>
-                        </a:lnSpc>
-                        <a:spcBef>
-                          <a:spcPts val="0"/>
-                        </a:spcBef>
-                        <a:spcAft>
-                          <a:spcPts val="0"/>
-                        </a:spcAft>
-                      </a:pPr>
-                      <a:r>
-                        <a:rPr lang="en-US" sz="1200">
-                          <a:effectLst/>
-                        </a:rPr>
-                        <a:t>Failed End Condition</a:t>
-                      </a:r>
-                      <a:endParaRPr lang="en-US" sz="1200">
-                        <a:effectLst/>
-                        <a:latin typeface="Calibri" panose="020F0502020204030204" pitchFamily="34" charset="0"/>
-                        <a:ea typeface="SimSun" panose="02010600030101010101" pitchFamily="2" charset="-122"/>
-                        <a:cs typeface="Arial" panose="020B0604020202020204" pitchFamily="34" charset="0"/>
-                      </a:endParaRPr>
-                    </a:p>
-                  </a:txBody>
-                  <a:tcPr marL="61828" marR="61828" marT="0" marB="0"/>
-                </a:tc>
-                <a:tc gridSpan="2">
-                  <a:txBody>
-                    <a:bodyPr/>
-                    <a:lstStyle/>
-                    <a:p>
-                      <a:pPr marL="0" marR="0">
-                        <a:lnSpc>
-                          <a:spcPct val="107000"/>
-                        </a:lnSpc>
-                        <a:spcBef>
-                          <a:spcPts val="0"/>
-                        </a:spcBef>
-                        <a:spcAft>
-                          <a:spcPts val="0"/>
-                        </a:spcAft>
-                      </a:pPr>
-                      <a:r>
-                        <a:rPr lang="en-US" sz="1200">
-                          <a:effectLst/>
-                        </a:rPr>
-                        <a:t>Appointment is not cancelled</a:t>
-                      </a:r>
-                      <a:endParaRPr lang="en-US" sz="1200">
-                        <a:effectLst/>
-                        <a:latin typeface="Calibri" panose="020F0502020204030204" pitchFamily="34" charset="0"/>
-                        <a:ea typeface="SimSun" panose="02010600030101010101" pitchFamily="2" charset="-122"/>
-                        <a:cs typeface="Arial" panose="020B0604020202020204" pitchFamily="34" charset="0"/>
-                      </a:endParaRPr>
-                    </a:p>
-                  </a:txBody>
-                  <a:tcPr marL="61828" marR="61828" marT="0" marB="0"/>
-                </a:tc>
-                <a:tc hMerge="1">
-                  <a:txBody>
-                    <a:bodyPr/>
-                    <a:lstStyle/>
-                    <a:p>
-                      <a:endParaRPr lang="en-US"/>
-                    </a:p>
-                  </a:txBody>
-                  <a:tcPr/>
-                </a:tc>
-                <a:extLst>
-                  <a:ext uri="{0D108BD9-81ED-4DB2-BD59-A6C34878D82A}">
-                    <a16:rowId xmlns:a16="http://schemas.microsoft.com/office/drawing/2014/main" val="911945483"/>
-                  </a:ext>
-                </a:extLst>
-              </a:tr>
-              <a:tr h="411402">
-                <a:tc>
-                  <a:txBody>
-                    <a:bodyPr/>
-                    <a:lstStyle/>
-                    <a:p>
-                      <a:pPr marL="0" marR="0">
-                        <a:lnSpc>
-                          <a:spcPct val="107000"/>
-                        </a:lnSpc>
-                        <a:spcBef>
-                          <a:spcPts val="0"/>
-                        </a:spcBef>
-                        <a:spcAft>
-                          <a:spcPts val="0"/>
-                        </a:spcAft>
-                      </a:pPr>
-                      <a:r>
-                        <a:rPr lang="en-US" sz="1200">
-                          <a:effectLst/>
-                        </a:rPr>
-                        <a:t>Primary/Secondary Actors</a:t>
-                      </a:r>
-                      <a:endParaRPr lang="en-US" sz="1200">
-                        <a:effectLst/>
-                        <a:latin typeface="Calibri" panose="020F0502020204030204" pitchFamily="34" charset="0"/>
-                        <a:ea typeface="SimSun" panose="02010600030101010101" pitchFamily="2" charset="-122"/>
-                        <a:cs typeface="Arial" panose="020B0604020202020204" pitchFamily="34" charset="0"/>
-                      </a:endParaRPr>
-                    </a:p>
-                  </a:txBody>
-                  <a:tcPr marL="61828" marR="61828" marT="0" marB="0"/>
-                </a:tc>
-                <a:tc gridSpan="2">
-                  <a:txBody>
-                    <a:bodyPr/>
-                    <a:lstStyle/>
-                    <a:p>
-                      <a:pPr marL="0" marR="0">
-                        <a:lnSpc>
-                          <a:spcPct val="107000"/>
-                        </a:lnSpc>
-                        <a:spcBef>
-                          <a:spcPts val="0"/>
-                        </a:spcBef>
-                        <a:spcAft>
-                          <a:spcPts val="0"/>
-                        </a:spcAft>
-                      </a:pPr>
-                      <a:r>
-                        <a:rPr lang="en-US" sz="1200">
-                          <a:effectLst/>
-                        </a:rPr>
-                        <a:t>Client</a:t>
-                      </a:r>
-                    </a:p>
-                    <a:p>
-                      <a:pPr marL="0" marR="0">
-                        <a:lnSpc>
-                          <a:spcPct val="107000"/>
-                        </a:lnSpc>
-                        <a:spcBef>
-                          <a:spcPts val="0"/>
-                        </a:spcBef>
-                        <a:spcAft>
-                          <a:spcPts val="0"/>
-                        </a:spcAft>
-                      </a:pPr>
-                      <a:r>
-                        <a:rPr lang="en-US" sz="1200">
-                          <a:effectLst/>
-                        </a:rPr>
-                        <a:t> </a:t>
-                      </a:r>
-                      <a:endParaRPr lang="en-US" sz="1200">
-                        <a:effectLst/>
-                        <a:latin typeface="Calibri" panose="020F0502020204030204" pitchFamily="34" charset="0"/>
-                        <a:ea typeface="SimSun" panose="02010600030101010101" pitchFamily="2" charset="-122"/>
-                        <a:cs typeface="Arial" panose="020B0604020202020204" pitchFamily="34" charset="0"/>
-                      </a:endParaRPr>
-                    </a:p>
-                  </a:txBody>
-                  <a:tcPr marL="61828" marR="61828" marT="0" marB="0"/>
-                </a:tc>
-                <a:tc hMerge="1">
-                  <a:txBody>
-                    <a:bodyPr/>
-                    <a:lstStyle/>
-                    <a:p>
-                      <a:endParaRPr lang="en-US"/>
-                    </a:p>
-                  </a:txBody>
-                  <a:tcPr/>
-                </a:tc>
-                <a:extLst>
-                  <a:ext uri="{0D108BD9-81ED-4DB2-BD59-A6C34878D82A}">
-                    <a16:rowId xmlns:a16="http://schemas.microsoft.com/office/drawing/2014/main" val="3487194017"/>
-                  </a:ext>
-                </a:extLst>
-              </a:tr>
-              <a:tr h="205702">
-                <a:tc>
-                  <a:txBody>
-                    <a:bodyPr/>
-                    <a:lstStyle/>
-                    <a:p>
-                      <a:pPr marL="0" marR="0">
-                        <a:lnSpc>
-                          <a:spcPct val="107000"/>
-                        </a:lnSpc>
-                        <a:spcBef>
-                          <a:spcPts val="0"/>
-                        </a:spcBef>
-                        <a:spcAft>
-                          <a:spcPts val="0"/>
-                        </a:spcAft>
-                      </a:pPr>
-                      <a:r>
-                        <a:rPr lang="en-US" sz="1200">
-                          <a:effectLst/>
-                        </a:rPr>
-                        <a:t>Trigger</a:t>
-                      </a:r>
-                      <a:endParaRPr lang="en-US" sz="1200">
-                        <a:effectLst/>
-                        <a:latin typeface="Calibri" panose="020F0502020204030204" pitchFamily="34" charset="0"/>
-                        <a:ea typeface="SimSun" panose="02010600030101010101" pitchFamily="2" charset="-122"/>
-                        <a:cs typeface="Arial" panose="020B0604020202020204" pitchFamily="34" charset="0"/>
-                      </a:endParaRPr>
-                    </a:p>
-                  </a:txBody>
-                  <a:tcPr marL="61828" marR="61828" marT="0" marB="0"/>
-                </a:tc>
-                <a:tc gridSpan="2">
-                  <a:txBody>
-                    <a:bodyPr/>
-                    <a:lstStyle/>
-                    <a:p>
-                      <a:pPr marL="0" marR="0">
-                        <a:lnSpc>
-                          <a:spcPct val="107000"/>
-                        </a:lnSpc>
-                        <a:spcBef>
-                          <a:spcPts val="0"/>
-                        </a:spcBef>
-                        <a:spcAft>
-                          <a:spcPts val="0"/>
-                        </a:spcAft>
-                      </a:pPr>
-                      <a:r>
-                        <a:rPr lang="en-US" sz="1200">
-                          <a:effectLst/>
-                        </a:rPr>
-                        <a:t> </a:t>
-                      </a:r>
-                      <a:endParaRPr lang="en-US" sz="1200">
-                        <a:effectLst/>
-                        <a:latin typeface="Calibri" panose="020F0502020204030204" pitchFamily="34" charset="0"/>
-                        <a:ea typeface="SimSun" panose="02010600030101010101" pitchFamily="2" charset="-122"/>
-                        <a:cs typeface="Arial" panose="020B0604020202020204" pitchFamily="34" charset="0"/>
-                      </a:endParaRPr>
-                    </a:p>
-                  </a:txBody>
-                  <a:tcPr marL="61828" marR="61828" marT="0" marB="0"/>
-                </a:tc>
-                <a:tc hMerge="1">
-                  <a:txBody>
-                    <a:bodyPr/>
-                    <a:lstStyle/>
-                    <a:p>
-                      <a:endParaRPr lang="en-US"/>
-                    </a:p>
-                  </a:txBody>
-                  <a:tcPr/>
-                </a:tc>
-                <a:extLst>
-                  <a:ext uri="{0D108BD9-81ED-4DB2-BD59-A6C34878D82A}">
-                    <a16:rowId xmlns:a16="http://schemas.microsoft.com/office/drawing/2014/main" val="2155099146"/>
-                  </a:ext>
-                </a:extLst>
-              </a:tr>
-              <a:tr h="617104">
-                <a:tc>
-                  <a:txBody>
-                    <a:bodyPr/>
-                    <a:lstStyle/>
-                    <a:p>
-                      <a:pPr marL="0" marR="0">
-                        <a:lnSpc>
-                          <a:spcPct val="107000"/>
-                        </a:lnSpc>
-                        <a:spcBef>
-                          <a:spcPts val="0"/>
-                        </a:spcBef>
-                        <a:spcAft>
-                          <a:spcPts val="0"/>
-                        </a:spcAft>
-                      </a:pPr>
-                      <a:r>
-                        <a:rPr lang="en-US" sz="1200">
-                          <a:effectLst/>
-                        </a:rPr>
-                        <a:t>DESCRIPTION</a:t>
-                      </a:r>
-                      <a:endParaRPr lang="en-US" sz="1200">
-                        <a:effectLst/>
-                        <a:latin typeface="Calibri" panose="020F0502020204030204" pitchFamily="34" charset="0"/>
-                        <a:ea typeface="SimSun" panose="02010600030101010101" pitchFamily="2" charset="-122"/>
-                        <a:cs typeface="Arial" panose="020B0604020202020204" pitchFamily="34" charset="0"/>
-                      </a:endParaRPr>
-                    </a:p>
-                  </a:txBody>
-                  <a:tcPr marL="61828" marR="61828" marT="0" marB="0"/>
-                </a:tc>
-                <a:tc>
-                  <a:txBody>
-                    <a:bodyPr/>
-                    <a:lstStyle/>
-                    <a:p>
-                      <a:pPr marL="0" marR="0">
-                        <a:lnSpc>
-                          <a:spcPct val="107000"/>
-                        </a:lnSpc>
-                        <a:spcBef>
-                          <a:spcPts val="0"/>
-                        </a:spcBef>
-                        <a:spcAft>
-                          <a:spcPts val="0"/>
-                        </a:spcAft>
-                      </a:pPr>
-                      <a:r>
-                        <a:rPr lang="en-US" sz="1200">
-                          <a:effectLst/>
-                        </a:rPr>
-                        <a:t>Step</a:t>
-                      </a:r>
-                      <a:endParaRPr lang="en-US" sz="1200">
-                        <a:effectLst/>
-                        <a:latin typeface="Calibri" panose="020F0502020204030204" pitchFamily="34" charset="0"/>
-                        <a:ea typeface="SimSun" panose="02010600030101010101" pitchFamily="2" charset="-122"/>
-                        <a:cs typeface="Arial" panose="020B0604020202020204" pitchFamily="34" charset="0"/>
-                      </a:endParaRPr>
-                    </a:p>
-                  </a:txBody>
-                  <a:tcPr marL="61828" marR="61828" marT="0" marB="0"/>
-                </a:tc>
-                <a:tc>
-                  <a:txBody>
-                    <a:bodyPr/>
-                    <a:lstStyle/>
-                    <a:p>
-                      <a:pPr marL="0" marR="0">
-                        <a:lnSpc>
-                          <a:spcPct val="107000"/>
-                        </a:lnSpc>
-                        <a:spcBef>
-                          <a:spcPts val="0"/>
-                        </a:spcBef>
-                        <a:spcAft>
-                          <a:spcPts val="0"/>
-                        </a:spcAft>
-                      </a:pPr>
-                      <a:r>
-                        <a:rPr lang="en-US" sz="1200">
-                          <a:effectLst/>
-                        </a:rPr>
-                        <a:t>Action</a:t>
-                      </a:r>
-                      <a:endParaRPr lang="en-US" sz="1200">
-                        <a:effectLst/>
-                        <a:latin typeface="Calibri" panose="020F0502020204030204" pitchFamily="34" charset="0"/>
-                        <a:ea typeface="SimSun" panose="02010600030101010101" pitchFamily="2" charset="-122"/>
-                        <a:cs typeface="Arial" panose="020B0604020202020204" pitchFamily="34" charset="0"/>
-                      </a:endParaRPr>
-                    </a:p>
-                  </a:txBody>
-                  <a:tcPr marL="61828" marR="61828" marT="0" marB="0"/>
-                </a:tc>
-                <a:extLst>
-                  <a:ext uri="{0D108BD9-81ED-4DB2-BD59-A6C34878D82A}">
-                    <a16:rowId xmlns:a16="http://schemas.microsoft.com/office/drawing/2014/main" val="1612911210"/>
-                  </a:ext>
-                </a:extLst>
-              </a:tr>
-              <a:tr h="205702">
-                <a:tc>
-                  <a:txBody>
-                    <a:bodyPr/>
-                    <a:lstStyle/>
-                    <a:p>
-                      <a:pPr marL="0" marR="0">
-                        <a:lnSpc>
-                          <a:spcPct val="107000"/>
-                        </a:lnSpc>
-                        <a:spcBef>
-                          <a:spcPts val="0"/>
-                        </a:spcBef>
-                        <a:spcAft>
-                          <a:spcPts val="0"/>
-                        </a:spcAft>
-                      </a:pPr>
-                      <a:r>
-                        <a:rPr lang="en-US" sz="1200">
-                          <a:effectLst/>
-                        </a:rPr>
-                        <a:t> </a:t>
-                      </a:r>
-                      <a:endParaRPr lang="en-US" sz="1200">
-                        <a:effectLst/>
-                        <a:latin typeface="Calibri" panose="020F0502020204030204" pitchFamily="34" charset="0"/>
-                        <a:ea typeface="SimSun" panose="02010600030101010101" pitchFamily="2" charset="-122"/>
-                        <a:cs typeface="Arial" panose="020B0604020202020204" pitchFamily="34" charset="0"/>
-                      </a:endParaRPr>
-                    </a:p>
-                  </a:txBody>
-                  <a:tcPr marL="61828" marR="61828" marT="0" marB="0"/>
-                </a:tc>
-                <a:tc>
-                  <a:txBody>
-                    <a:bodyPr/>
-                    <a:lstStyle/>
-                    <a:p>
-                      <a:pPr marL="0" marR="0">
-                        <a:lnSpc>
-                          <a:spcPct val="107000"/>
-                        </a:lnSpc>
-                        <a:spcBef>
-                          <a:spcPts val="0"/>
-                        </a:spcBef>
-                        <a:spcAft>
-                          <a:spcPts val="0"/>
-                        </a:spcAft>
-                      </a:pPr>
-                      <a:r>
-                        <a:rPr lang="en-US" sz="1200">
-                          <a:effectLst/>
-                        </a:rPr>
-                        <a:t>1</a:t>
-                      </a:r>
-                      <a:endParaRPr lang="en-US" sz="1200">
-                        <a:effectLst/>
-                        <a:latin typeface="Calibri" panose="020F0502020204030204" pitchFamily="34" charset="0"/>
-                        <a:ea typeface="SimSun" panose="02010600030101010101" pitchFamily="2" charset="-122"/>
-                        <a:cs typeface="Arial" panose="020B0604020202020204" pitchFamily="34" charset="0"/>
-                      </a:endParaRPr>
-                    </a:p>
-                  </a:txBody>
-                  <a:tcPr marL="61828" marR="61828" marT="0" marB="0"/>
-                </a:tc>
-                <a:tc>
-                  <a:txBody>
-                    <a:bodyPr/>
-                    <a:lstStyle/>
-                    <a:p>
-                      <a:pPr marL="0" marR="0">
-                        <a:lnSpc>
-                          <a:spcPct val="107000"/>
-                        </a:lnSpc>
-                        <a:spcBef>
-                          <a:spcPts val="0"/>
-                        </a:spcBef>
-                        <a:spcAft>
-                          <a:spcPts val="0"/>
-                        </a:spcAft>
-                      </a:pPr>
-                      <a:r>
-                        <a:rPr lang="en-US" sz="1200">
-                          <a:effectLst/>
-                        </a:rPr>
-                        <a:t>Go to landing page</a:t>
-                      </a:r>
-                      <a:endParaRPr lang="en-US" sz="1200">
-                        <a:effectLst/>
-                        <a:latin typeface="Calibri" panose="020F0502020204030204" pitchFamily="34" charset="0"/>
-                        <a:ea typeface="SimSun" panose="02010600030101010101" pitchFamily="2" charset="-122"/>
-                        <a:cs typeface="Arial" panose="020B0604020202020204" pitchFamily="34" charset="0"/>
-                      </a:endParaRPr>
-                    </a:p>
-                  </a:txBody>
-                  <a:tcPr marL="61828" marR="61828" marT="0" marB="0"/>
-                </a:tc>
-                <a:extLst>
-                  <a:ext uri="{0D108BD9-81ED-4DB2-BD59-A6C34878D82A}">
-                    <a16:rowId xmlns:a16="http://schemas.microsoft.com/office/drawing/2014/main" val="96236330"/>
-                  </a:ext>
-                </a:extLst>
-              </a:tr>
-              <a:tr h="205702">
-                <a:tc>
-                  <a:txBody>
-                    <a:bodyPr/>
-                    <a:lstStyle/>
-                    <a:p>
-                      <a:pPr marL="0" marR="0">
-                        <a:lnSpc>
-                          <a:spcPct val="107000"/>
-                        </a:lnSpc>
-                        <a:spcBef>
-                          <a:spcPts val="0"/>
-                        </a:spcBef>
-                        <a:spcAft>
-                          <a:spcPts val="0"/>
-                        </a:spcAft>
-                      </a:pPr>
-                      <a:r>
-                        <a:rPr lang="en-US" sz="1200">
-                          <a:effectLst/>
-                        </a:rPr>
-                        <a:t> </a:t>
-                      </a:r>
-                      <a:endParaRPr lang="en-US" sz="1200">
-                        <a:effectLst/>
-                        <a:latin typeface="Calibri" panose="020F0502020204030204" pitchFamily="34" charset="0"/>
-                        <a:ea typeface="SimSun" panose="02010600030101010101" pitchFamily="2" charset="-122"/>
-                        <a:cs typeface="Arial" panose="020B0604020202020204" pitchFamily="34" charset="0"/>
-                      </a:endParaRPr>
-                    </a:p>
-                  </a:txBody>
-                  <a:tcPr marL="61828" marR="61828" marT="0" marB="0"/>
-                </a:tc>
-                <a:tc>
-                  <a:txBody>
-                    <a:bodyPr/>
-                    <a:lstStyle/>
-                    <a:p>
-                      <a:pPr marL="0" marR="0">
-                        <a:lnSpc>
-                          <a:spcPct val="107000"/>
-                        </a:lnSpc>
-                        <a:spcBef>
-                          <a:spcPts val="0"/>
-                        </a:spcBef>
-                        <a:spcAft>
-                          <a:spcPts val="0"/>
-                        </a:spcAft>
-                      </a:pPr>
-                      <a:r>
-                        <a:rPr lang="en-US" sz="1200">
-                          <a:effectLst/>
-                        </a:rPr>
-                        <a:t>2</a:t>
-                      </a:r>
-                      <a:endParaRPr lang="en-US" sz="1200">
-                        <a:effectLst/>
-                        <a:latin typeface="Calibri" panose="020F0502020204030204" pitchFamily="34" charset="0"/>
-                        <a:ea typeface="SimSun" panose="02010600030101010101" pitchFamily="2" charset="-122"/>
-                        <a:cs typeface="Arial" panose="020B0604020202020204" pitchFamily="34" charset="0"/>
-                      </a:endParaRPr>
-                    </a:p>
-                  </a:txBody>
-                  <a:tcPr marL="61828" marR="61828" marT="0" marB="0"/>
-                </a:tc>
-                <a:tc>
-                  <a:txBody>
-                    <a:bodyPr/>
-                    <a:lstStyle/>
-                    <a:p>
-                      <a:pPr marL="0" marR="0">
-                        <a:lnSpc>
-                          <a:spcPct val="107000"/>
-                        </a:lnSpc>
-                        <a:spcBef>
-                          <a:spcPts val="0"/>
-                        </a:spcBef>
-                        <a:spcAft>
-                          <a:spcPts val="0"/>
-                        </a:spcAft>
-                      </a:pPr>
-                      <a:r>
-                        <a:rPr lang="en-US" sz="1200">
-                          <a:effectLst/>
-                        </a:rPr>
-                        <a:t>Click Appointments</a:t>
-                      </a:r>
-                      <a:endParaRPr lang="en-US" sz="1200">
-                        <a:effectLst/>
-                        <a:latin typeface="Calibri" panose="020F0502020204030204" pitchFamily="34" charset="0"/>
-                        <a:ea typeface="SimSun" panose="02010600030101010101" pitchFamily="2" charset="-122"/>
-                        <a:cs typeface="Arial" panose="020B0604020202020204" pitchFamily="34" charset="0"/>
-                      </a:endParaRPr>
-                    </a:p>
-                  </a:txBody>
-                  <a:tcPr marL="61828" marR="61828" marT="0" marB="0"/>
-                </a:tc>
-                <a:extLst>
-                  <a:ext uri="{0D108BD9-81ED-4DB2-BD59-A6C34878D82A}">
-                    <a16:rowId xmlns:a16="http://schemas.microsoft.com/office/drawing/2014/main" val="1832341232"/>
-                  </a:ext>
-                </a:extLst>
-              </a:tr>
-              <a:tr h="205702">
-                <a:tc>
-                  <a:txBody>
-                    <a:bodyPr/>
-                    <a:lstStyle/>
-                    <a:p>
-                      <a:pPr marL="0" marR="0">
-                        <a:lnSpc>
-                          <a:spcPct val="107000"/>
-                        </a:lnSpc>
-                        <a:spcBef>
-                          <a:spcPts val="0"/>
-                        </a:spcBef>
-                        <a:spcAft>
-                          <a:spcPts val="0"/>
-                        </a:spcAft>
-                      </a:pPr>
-                      <a:r>
-                        <a:rPr lang="en-US" sz="1200">
-                          <a:effectLst/>
-                        </a:rPr>
-                        <a:t> </a:t>
-                      </a:r>
-                      <a:endParaRPr lang="en-US" sz="1200">
-                        <a:effectLst/>
-                        <a:latin typeface="Calibri" panose="020F0502020204030204" pitchFamily="34" charset="0"/>
-                        <a:ea typeface="SimSun" panose="02010600030101010101" pitchFamily="2" charset="-122"/>
-                        <a:cs typeface="Arial" panose="020B0604020202020204" pitchFamily="34" charset="0"/>
-                      </a:endParaRPr>
-                    </a:p>
-                  </a:txBody>
-                  <a:tcPr marL="61828" marR="61828" marT="0" marB="0"/>
-                </a:tc>
-                <a:tc>
-                  <a:txBody>
-                    <a:bodyPr/>
-                    <a:lstStyle/>
-                    <a:p>
-                      <a:pPr marL="0" marR="0">
-                        <a:lnSpc>
-                          <a:spcPct val="107000"/>
-                        </a:lnSpc>
-                        <a:spcBef>
-                          <a:spcPts val="0"/>
-                        </a:spcBef>
-                        <a:spcAft>
-                          <a:spcPts val="0"/>
-                        </a:spcAft>
-                      </a:pPr>
-                      <a:r>
-                        <a:rPr lang="en-US" sz="1200">
-                          <a:effectLst/>
-                        </a:rPr>
-                        <a:t>3</a:t>
-                      </a:r>
-                      <a:endParaRPr lang="en-US" sz="1200">
-                        <a:effectLst/>
-                        <a:latin typeface="Calibri" panose="020F0502020204030204" pitchFamily="34" charset="0"/>
-                        <a:ea typeface="SimSun" panose="02010600030101010101" pitchFamily="2" charset="-122"/>
-                        <a:cs typeface="Arial" panose="020B0604020202020204" pitchFamily="34" charset="0"/>
-                      </a:endParaRPr>
-                    </a:p>
-                  </a:txBody>
-                  <a:tcPr marL="61828" marR="61828" marT="0" marB="0"/>
-                </a:tc>
-                <a:tc>
-                  <a:txBody>
-                    <a:bodyPr/>
-                    <a:lstStyle/>
-                    <a:p>
-                      <a:pPr marL="0" marR="0">
-                        <a:lnSpc>
-                          <a:spcPct val="107000"/>
-                        </a:lnSpc>
-                        <a:spcBef>
-                          <a:spcPts val="0"/>
-                        </a:spcBef>
-                        <a:spcAft>
-                          <a:spcPts val="0"/>
-                        </a:spcAft>
-                      </a:pPr>
-                      <a:r>
-                        <a:rPr lang="en-US" sz="1200">
-                          <a:effectLst/>
-                        </a:rPr>
-                        <a:t>Select Appointment to cancel</a:t>
-                      </a:r>
-                      <a:endParaRPr lang="en-US" sz="1200">
-                        <a:effectLst/>
-                        <a:latin typeface="Calibri" panose="020F0502020204030204" pitchFamily="34" charset="0"/>
-                        <a:ea typeface="SimSun" panose="02010600030101010101" pitchFamily="2" charset="-122"/>
-                        <a:cs typeface="Arial" panose="020B0604020202020204" pitchFamily="34" charset="0"/>
-                      </a:endParaRPr>
-                    </a:p>
-                  </a:txBody>
-                  <a:tcPr marL="61828" marR="61828" marT="0" marB="0"/>
-                </a:tc>
-                <a:extLst>
-                  <a:ext uri="{0D108BD9-81ED-4DB2-BD59-A6C34878D82A}">
-                    <a16:rowId xmlns:a16="http://schemas.microsoft.com/office/drawing/2014/main" val="2518296084"/>
-                  </a:ext>
-                </a:extLst>
-              </a:tr>
-              <a:tr h="205702">
-                <a:tc>
-                  <a:txBody>
-                    <a:bodyPr/>
-                    <a:lstStyle/>
-                    <a:p>
-                      <a:pPr marL="0" marR="0">
-                        <a:lnSpc>
-                          <a:spcPct val="107000"/>
-                        </a:lnSpc>
-                        <a:spcBef>
-                          <a:spcPts val="0"/>
-                        </a:spcBef>
-                        <a:spcAft>
-                          <a:spcPts val="0"/>
-                        </a:spcAft>
-                      </a:pPr>
-                      <a:r>
-                        <a:rPr lang="en-US" sz="1200">
-                          <a:effectLst/>
-                        </a:rPr>
-                        <a:t> </a:t>
-                      </a:r>
-                      <a:endParaRPr lang="en-US" sz="1200">
-                        <a:effectLst/>
-                        <a:latin typeface="Calibri" panose="020F0502020204030204" pitchFamily="34" charset="0"/>
-                        <a:ea typeface="SimSun" panose="02010600030101010101" pitchFamily="2" charset="-122"/>
-                        <a:cs typeface="Arial" panose="020B0604020202020204" pitchFamily="34" charset="0"/>
-                      </a:endParaRPr>
-                    </a:p>
-                  </a:txBody>
-                  <a:tcPr marL="61828" marR="61828" marT="0" marB="0"/>
-                </a:tc>
-                <a:tc>
-                  <a:txBody>
-                    <a:bodyPr/>
-                    <a:lstStyle/>
-                    <a:p>
-                      <a:pPr marL="0" marR="0">
-                        <a:lnSpc>
-                          <a:spcPct val="107000"/>
-                        </a:lnSpc>
-                        <a:spcBef>
-                          <a:spcPts val="0"/>
-                        </a:spcBef>
-                        <a:spcAft>
-                          <a:spcPts val="0"/>
-                        </a:spcAft>
-                      </a:pPr>
-                      <a:r>
-                        <a:rPr lang="en-US" sz="1200">
-                          <a:effectLst/>
-                        </a:rPr>
-                        <a:t>4</a:t>
-                      </a:r>
-                      <a:endParaRPr lang="en-US" sz="1200">
-                        <a:effectLst/>
-                        <a:latin typeface="Calibri" panose="020F0502020204030204" pitchFamily="34" charset="0"/>
-                        <a:ea typeface="SimSun" panose="02010600030101010101" pitchFamily="2" charset="-122"/>
-                        <a:cs typeface="Arial" panose="020B0604020202020204" pitchFamily="34" charset="0"/>
-                      </a:endParaRPr>
-                    </a:p>
-                  </a:txBody>
-                  <a:tcPr marL="61828" marR="61828" marT="0" marB="0"/>
-                </a:tc>
-                <a:tc>
-                  <a:txBody>
-                    <a:bodyPr/>
-                    <a:lstStyle/>
-                    <a:p>
-                      <a:pPr marL="0" marR="0">
-                        <a:lnSpc>
-                          <a:spcPct val="107000"/>
-                        </a:lnSpc>
-                        <a:spcBef>
-                          <a:spcPts val="0"/>
-                        </a:spcBef>
-                        <a:spcAft>
-                          <a:spcPts val="0"/>
-                        </a:spcAft>
-                      </a:pPr>
-                      <a:r>
-                        <a:rPr lang="en-US" sz="1200">
-                          <a:effectLst/>
-                        </a:rPr>
-                        <a:t>Select “Cancel Appointment” Button</a:t>
-                      </a:r>
-                      <a:endParaRPr lang="en-US" sz="1200">
-                        <a:effectLst/>
-                        <a:latin typeface="Calibri" panose="020F0502020204030204" pitchFamily="34" charset="0"/>
-                        <a:ea typeface="SimSun" panose="02010600030101010101" pitchFamily="2" charset="-122"/>
-                        <a:cs typeface="Arial" panose="020B0604020202020204" pitchFamily="34" charset="0"/>
-                      </a:endParaRPr>
-                    </a:p>
-                  </a:txBody>
-                  <a:tcPr marL="61828" marR="61828" marT="0" marB="0"/>
-                </a:tc>
-                <a:extLst>
-                  <a:ext uri="{0D108BD9-81ED-4DB2-BD59-A6C34878D82A}">
-                    <a16:rowId xmlns:a16="http://schemas.microsoft.com/office/drawing/2014/main" val="3942094763"/>
-                  </a:ext>
-                </a:extLst>
-              </a:tr>
-              <a:tr h="617104">
-                <a:tc>
-                  <a:txBody>
-                    <a:bodyPr/>
-                    <a:lstStyle/>
-                    <a:p>
-                      <a:pPr marL="0" marR="0">
-                        <a:lnSpc>
-                          <a:spcPct val="107000"/>
-                        </a:lnSpc>
-                        <a:spcBef>
-                          <a:spcPts val="0"/>
-                        </a:spcBef>
-                        <a:spcAft>
-                          <a:spcPts val="0"/>
-                        </a:spcAft>
-                      </a:pPr>
-                      <a:r>
-                        <a:rPr lang="en-US" sz="1200">
-                          <a:effectLst/>
-                        </a:rPr>
-                        <a:t>EXTENSIONS</a:t>
-                      </a:r>
-                      <a:endParaRPr lang="en-US" sz="1200">
-                        <a:effectLst/>
-                        <a:latin typeface="Calibri" panose="020F0502020204030204" pitchFamily="34" charset="0"/>
-                        <a:ea typeface="SimSun" panose="02010600030101010101" pitchFamily="2" charset="-122"/>
-                        <a:cs typeface="Arial" panose="020B0604020202020204" pitchFamily="34" charset="0"/>
-                      </a:endParaRPr>
-                    </a:p>
-                  </a:txBody>
-                  <a:tcPr marL="61828" marR="61828" marT="0" marB="0"/>
-                </a:tc>
-                <a:tc>
-                  <a:txBody>
-                    <a:bodyPr/>
-                    <a:lstStyle/>
-                    <a:p>
-                      <a:pPr marL="0" marR="0">
-                        <a:lnSpc>
-                          <a:spcPct val="107000"/>
-                        </a:lnSpc>
-                        <a:spcBef>
-                          <a:spcPts val="0"/>
-                        </a:spcBef>
-                        <a:spcAft>
-                          <a:spcPts val="0"/>
-                        </a:spcAft>
-                      </a:pPr>
-                      <a:r>
-                        <a:rPr lang="en-US" sz="1200">
-                          <a:effectLst/>
-                        </a:rPr>
-                        <a:t>Step</a:t>
-                      </a:r>
-                      <a:endParaRPr lang="en-US" sz="1200">
-                        <a:effectLst/>
-                        <a:latin typeface="Calibri" panose="020F0502020204030204" pitchFamily="34" charset="0"/>
-                        <a:ea typeface="SimSun" panose="02010600030101010101" pitchFamily="2" charset="-122"/>
-                        <a:cs typeface="Arial" panose="020B0604020202020204" pitchFamily="34" charset="0"/>
-                      </a:endParaRPr>
-                    </a:p>
-                  </a:txBody>
-                  <a:tcPr marL="61828" marR="61828" marT="0" marB="0"/>
-                </a:tc>
-                <a:tc>
-                  <a:txBody>
-                    <a:bodyPr/>
-                    <a:lstStyle/>
-                    <a:p>
-                      <a:pPr marL="0" marR="0">
-                        <a:lnSpc>
-                          <a:spcPct val="107000"/>
-                        </a:lnSpc>
-                        <a:spcBef>
-                          <a:spcPts val="0"/>
-                        </a:spcBef>
-                        <a:spcAft>
-                          <a:spcPts val="0"/>
-                        </a:spcAft>
-                      </a:pPr>
-                      <a:r>
-                        <a:rPr lang="en-US" sz="1200">
-                          <a:effectLst/>
-                        </a:rPr>
-                        <a:t>Branching Action</a:t>
-                      </a:r>
-                      <a:endParaRPr lang="en-US" sz="1200">
-                        <a:effectLst/>
-                        <a:latin typeface="Calibri" panose="020F0502020204030204" pitchFamily="34" charset="0"/>
-                        <a:ea typeface="SimSun" panose="02010600030101010101" pitchFamily="2" charset="-122"/>
-                        <a:cs typeface="Arial" panose="020B0604020202020204" pitchFamily="34" charset="0"/>
-                      </a:endParaRPr>
-                    </a:p>
-                  </a:txBody>
-                  <a:tcPr marL="61828" marR="61828" marT="0" marB="0"/>
-                </a:tc>
-                <a:extLst>
-                  <a:ext uri="{0D108BD9-81ED-4DB2-BD59-A6C34878D82A}">
-                    <a16:rowId xmlns:a16="http://schemas.microsoft.com/office/drawing/2014/main" val="1520630204"/>
-                  </a:ext>
-                </a:extLst>
-              </a:tr>
-              <a:tr h="205702">
-                <a:tc>
-                  <a:txBody>
-                    <a:bodyPr/>
-                    <a:lstStyle/>
-                    <a:p>
-                      <a:pPr marL="0" marR="0">
-                        <a:lnSpc>
-                          <a:spcPct val="107000"/>
-                        </a:lnSpc>
-                        <a:spcBef>
-                          <a:spcPts val="0"/>
-                        </a:spcBef>
-                        <a:spcAft>
-                          <a:spcPts val="0"/>
-                        </a:spcAft>
-                      </a:pPr>
-                      <a:r>
-                        <a:rPr lang="en-US" sz="1200">
-                          <a:effectLst/>
-                        </a:rPr>
-                        <a:t> </a:t>
-                      </a:r>
-                      <a:endParaRPr lang="en-US" sz="1200">
-                        <a:effectLst/>
-                        <a:latin typeface="Calibri" panose="020F0502020204030204" pitchFamily="34" charset="0"/>
-                        <a:ea typeface="SimSun" panose="02010600030101010101" pitchFamily="2" charset="-122"/>
-                        <a:cs typeface="Arial" panose="020B0604020202020204" pitchFamily="34" charset="0"/>
-                      </a:endParaRPr>
-                    </a:p>
-                  </a:txBody>
-                  <a:tcPr marL="61828" marR="61828" marT="0" marB="0"/>
-                </a:tc>
-                <a:tc>
-                  <a:txBody>
-                    <a:bodyPr/>
-                    <a:lstStyle/>
-                    <a:p>
-                      <a:pPr marL="0" marR="0">
-                        <a:lnSpc>
-                          <a:spcPct val="107000"/>
-                        </a:lnSpc>
-                        <a:spcBef>
-                          <a:spcPts val="0"/>
-                        </a:spcBef>
-                        <a:spcAft>
-                          <a:spcPts val="0"/>
-                        </a:spcAft>
-                      </a:pPr>
-                      <a:r>
-                        <a:rPr lang="en-US" sz="1200">
-                          <a:effectLst/>
-                        </a:rPr>
-                        <a:t>1</a:t>
-                      </a:r>
-                      <a:endParaRPr lang="en-US" sz="1200">
-                        <a:effectLst/>
-                        <a:latin typeface="Calibri" panose="020F0502020204030204" pitchFamily="34" charset="0"/>
-                        <a:ea typeface="SimSun" panose="02010600030101010101" pitchFamily="2" charset="-122"/>
-                        <a:cs typeface="Arial" panose="020B0604020202020204" pitchFamily="34" charset="0"/>
-                      </a:endParaRPr>
-                    </a:p>
-                  </a:txBody>
-                  <a:tcPr marL="61828" marR="61828" marT="0" marB="0"/>
-                </a:tc>
-                <a:tc>
-                  <a:txBody>
-                    <a:bodyPr/>
-                    <a:lstStyle/>
-                    <a:p>
-                      <a:pPr marL="0" marR="0">
-                        <a:lnSpc>
-                          <a:spcPct val="107000"/>
-                        </a:lnSpc>
-                        <a:spcBef>
-                          <a:spcPts val="0"/>
-                        </a:spcBef>
-                        <a:spcAft>
-                          <a:spcPts val="0"/>
-                        </a:spcAft>
-                      </a:pPr>
-                      <a:r>
-                        <a:rPr lang="en-US" sz="1200">
-                          <a:effectLst/>
-                        </a:rPr>
-                        <a:t>None</a:t>
-                      </a:r>
-                      <a:endParaRPr lang="en-US" sz="1200">
-                        <a:effectLst/>
-                        <a:latin typeface="Calibri" panose="020F0502020204030204" pitchFamily="34" charset="0"/>
-                        <a:ea typeface="SimSun" panose="02010600030101010101" pitchFamily="2" charset="-122"/>
-                        <a:cs typeface="Arial" panose="020B0604020202020204" pitchFamily="34" charset="0"/>
-                      </a:endParaRPr>
-                    </a:p>
-                  </a:txBody>
-                  <a:tcPr marL="61828" marR="61828" marT="0" marB="0"/>
-                </a:tc>
-                <a:extLst>
-                  <a:ext uri="{0D108BD9-81ED-4DB2-BD59-A6C34878D82A}">
-                    <a16:rowId xmlns:a16="http://schemas.microsoft.com/office/drawing/2014/main" val="417352300"/>
-                  </a:ext>
-                </a:extLst>
-              </a:tr>
-              <a:tr h="617104">
-                <a:tc>
-                  <a:txBody>
-                    <a:bodyPr/>
-                    <a:lstStyle/>
-                    <a:p>
-                      <a:pPr marL="0" marR="0">
-                        <a:lnSpc>
-                          <a:spcPct val="107000"/>
-                        </a:lnSpc>
-                        <a:spcBef>
-                          <a:spcPts val="0"/>
-                        </a:spcBef>
-                        <a:spcAft>
-                          <a:spcPts val="0"/>
-                        </a:spcAft>
-                      </a:pPr>
-                      <a:r>
-                        <a:rPr lang="en-US" sz="1200">
-                          <a:effectLst/>
-                        </a:rPr>
-                        <a:t>SUB-VARIATIONS</a:t>
-                      </a:r>
-                      <a:endParaRPr lang="en-US" sz="1200">
-                        <a:effectLst/>
-                        <a:latin typeface="Calibri" panose="020F0502020204030204" pitchFamily="34" charset="0"/>
-                        <a:ea typeface="SimSun" panose="02010600030101010101" pitchFamily="2" charset="-122"/>
-                        <a:cs typeface="Arial" panose="020B0604020202020204" pitchFamily="34" charset="0"/>
-                      </a:endParaRPr>
-                    </a:p>
-                  </a:txBody>
-                  <a:tcPr marL="61828" marR="61828" marT="0" marB="0"/>
-                </a:tc>
-                <a:tc>
-                  <a:txBody>
-                    <a:bodyPr/>
-                    <a:lstStyle/>
-                    <a:p>
-                      <a:pPr marL="0" marR="0">
-                        <a:lnSpc>
-                          <a:spcPct val="107000"/>
-                        </a:lnSpc>
-                        <a:spcBef>
-                          <a:spcPts val="0"/>
-                        </a:spcBef>
-                        <a:spcAft>
-                          <a:spcPts val="0"/>
-                        </a:spcAft>
-                      </a:pPr>
-                      <a:r>
-                        <a:rPr lang="en-US" sz="1200">
-                          <a:effectLst/>
-                        </a:rPr>
-                        <a:t>Step</a:t>
-                      </a:r>
-                      <a:endParaRPr lang="en-US" sz="1200">
-                        <a:effectLst/>
-                        <a:latin typeface="Calibri" panose="020F0502020204030204" pitchFamily="34" charset="0"/>
-                        <a:ea typeface="SimSun" panose="02010600030101010101" pitchFamily="2" charset="-122"/>
-                        <a:cs typeface="Arial" panose="020B0604020202020204" pitchFamily="34" charset="0"/>
-                      </a:endParaRPr>
-                    </a:p>
-                  </a:txBody>
-                  <a:tcPr marL="61828" marR="61828" marT="0" marB="0"/>
-                </a:tc>
-                <a:tc>
-                  <a:txBody>
-                    <a:bodyPr/>
-                    <a:lstStyle/>
-                    <a:p>
-                      <a:pPr marL="0" marR="0">
-                        <a:lnSpc>
-                          <a:spcPct val="107000"/>
-                        </a:lnSpc>
-                        <a:spcBef>
-                          <a:spcPts val="0"/>
-                        </a:spcBef>
-                        <a:spcAft>
-                          <a:spcPts val="0"/>
-                        </a:spcAft>
-                      </a:pPr>
-                      <a:r>
-                        <a:rPr lang="en-US" sz="1200">
-                          <a:effectLst/>
-                        </a:rPr>
-                        <a:t>Branching Action</a:t>
-                      </a:r>
-                      <a:endParaRPr lang="en-US" sz="1200">
-                        <a:effectLst/>
-                        <a:latin typeface="Calibri" panose="020F0502020204030204" pitchFamily="34" charset="0"/>
-                        <a:ea typeface="SimSun" panose="02010600030101010101" pitchFamily="2" charset="-122"/>
-                        <a:cs typeface="Arial" panose="020B0604020202020204" pitchFamily="34" charset="0"/>
-                      </a:endParaRPr>
-                    </a:p>
-                  </a:txBody>
-                  <a:tcPr marL="61828" marR="61828" marT="0" marB="0"/>
-                </a:tc>
-                <a:extLst>
-                  <a:ext uri="{0D108BD9-81ED-4DB2-BD59-A6C34878D82A}">
-                    <a16:rowId xmlns:a16="http://schemas.microsoft.com/office/drawing/2014/main" val="326690538"/>
-                  </a:ext>
-                </a:extLst>
-              </a:tr>
-              <a:tr h="205702">
-                <a:tc>
-                  <a:txBody>
-                    <a:bodyPr/>
-                    <a:lstStyle/>
-                    <a:p>
-                      <a:pPr marL="0" marR="0">
-                        <a:lnSpc>
-                          <a:spcPct val="107000"/>
-                        </a:lnSpc>
-                        <a:spcBef>
-                          <a:spcPts val="0"/>
-                        </a:spcBef>
-                        <a:spcAft>
-                          <a:spcPts val="0"/>
-                        </a:spcAft>
-                      </a:pPr>
-                      <a:r>
-                        <a:rPr lang="en-US" sz="1200">
-                          <a:effectLst/>
-                        </a:rPr>
-                        <a:t> </a:t>
-                      </a:r>
-                      <a:endParaRPr lang="en-US" sz="1200">
-                        <a:effectLst/>
-                        <a:latin typeface="Calibri" panose="020F0502020204030204" pitchFamily="34" charset="0"/>
-                        <a:ea typeface="SimSun" panose="02010600030101010101" pitchFamily="2" charset="-122"/>
-                        <a:cs typeface="Arial" panose="020B0604020202020204" pitchFamily="34" charset="0"/>
-                      </a:endParaRPr>
-                    </a:p>
-                  </a:txBody>
-                  <a:tcPr marL="61828" marR="61828" marT="0" marB="0"/>
-                </a:tc>
-                <a:tc>
-                  <a:txBody>
-                    <a:bodyPr/>
-                    <a:lstStyle/>
-                    <a:p>
-                      <a:pPr marL="0" marR="0">
-                        <a:lnSpc>
-                          <a:spcPct val="107000"/>
-                        </a:lnSpc>
-                        <a:spcBef>
-                          <a:spcPts val="0"/>
-                        </a:spcBef>
-                        <a:spcAft>
-                          <a:spcPts val="0"/>
-                        </a:spcAft>
-                      </a:pPr>
-                      <a:r>
-                        <a:rPr lang="en-US" sz="1200">
-                          <a:effectLst/>
-                        </a:rPr>
-                        <a:t>1</a:t>
-                      </a:r>
-                      <a:endParaRPr lang="en-US" sz="1200">
-                        <a:effectLst/>
-                        <a:latin typeface="Calibri" panose="020F0502020204030204" pitchFamily="34" charset="0"/>
-                        <a:ea typeface="SimSun" panose="02010600030101010101" pitchFamily="2" charset="-122"/>
-                        <a:cs typeface="Arial" panose="020B0604020202020204" pitchFamily="34" charset="0"/>
-                      </a:endParaRPr>
-                    </a:p>
-                  </a:txBody>
-                  <a:tcPr marL="61828" marR="61828" marT="0" marB="0"/>
-                </a:tc>
-                <a:tc>
-                  <a:txBody>
-                    <a:bodyPr/>
-                    <a:lstStyle/>
-                    <a:p>
-                      <a:pPr marL="0" marR="0">
-                        <a:lnSpc>
-                          <a:spcPct val="107000"/>
-                        </a:lnSpc>
-                        <a:spcBef>
-                          <a:spcPts val="0"/>
-                        </a:spcBef>
-                        <a:spcAft>
-                          <a:spcPts val="0"/>
-                        </a:spcAft>
-                      </a:pPr>
-                      <a:r>
-                        <a:rPr lang="en-US" sz="1200" dirty="0">
-                          <a:effectLst/>
-                        </a:rPr>
-                        <a:t>None</a:t>
-                      </a:r>
-                      <a:endParaRPr lang="en-US" sz="1200" dirty="0">
-                        <a:effectLst/>
-                        <a:latin typeface="Calibri" panose="020F0502020204030204" pitchFamily="34" charset="0"/>
-                        <a:ea typeface="SimSun" panose="02010600030101010101" pitchFamily="2" charset="-122"/>
-                        <a:cs typeface="Arial" panose="020B0604020202020204" pitchFamily="34" charset="0"/>
-                      </a:endParaRPr>
-                    </a:p>
-                  </a:txBody>
-                  <a:tcPr marL="61828" marR="61828" marT="0" marB="0"/>
-                </a:tc>
-                <a:extLst>
-                  <a:ext uri="{0D108BD9-81ED-4DB2-BD59-A6C34878D82A}">
-                    <a16:rowId xmlns:a16="http://schemas.microsoft.com/office/drawing/2014/main" val="1024922629"/>
-                  </a:ext>
-                </a:extLst>
-              </a:tr>
-            </a:tbl>
-          </a:graphicData>
-        </a:graphic>
-      </p:graphicFrame>
+              <a:t>Summary</a:t>
+            </a:r>
+          </a:p>
+        </p:txBody>
+      </p:sp>
+      <p:sp>
+        <p:nvSpPr>
+          <p:cNvPr id="3" name="Content Placeholder 2"/>
+          <p:cNvSpPr>
+            <a:spLocks noGrp="1"/>
+          </p:cNvSpPr>
+          <p:nvPr>
+            <p:ph idx="1"/>
+          </p:nvPr>
+        </p:nvSpPr>
+        <p:spPr/>
+        <p:txBody>
+          <a:bodyPr>
+            <a:normAutofit/>
+          </a:bodyPr>
+          <a:lstStyle/>
+          <a:p>
+            <a:pPr lvl="1"/>
+            <a:r>
+              <a:rPr lang="en-US" dirty="0"/>
+              <a:t>As things go with software, there are setbacks that force us to do one of two things to meet the deadline:</a:t>
+            </a:r>
+          </a:p>
+          <a:p>
+            <a:pPr lvl="2"/>
+            <a:r>
+              <a:rPr lang="en-US" dirty="0"/>
+              <a:t>Cut Features</a:t>
+            </a:r>
+          </a:p>
+          <a:p>
+            <a:pPr lvl="3"/>
+            <a:r>
+              <a:rPr lang="en-US" dirty="0"/>
+              <a:t>Risk: Could end up with a program that does nothing or is difficult to use</a:t>
+            </a:r>
+          </a:p>
+          <a:p>
+            <a:pPr lvl="2"/>
+            <a:r>
+              <a:rPr lang="en-US" dirty="0"/>
+              <a:t>Sacrifice code quality/reusability for speed and efficiency</a:t>
+            </a:r>
+          </a:p>
+          <a:p>
+            <a:pPr lvl="3"/>
+            <a:r>
+              <a:rPr lang="en-US" dirty="0"/>
+              <a:t>Risk:  Not easy to add enhancements later</a:t>
+            </a:r>
+          </a:p>
+          <a:p>
+            <a:pPr lvl="3"/>
+            <a:r>
+              <a:rPr lang="en-US" dirty="0"/>
+              <a:t>Bugs and enhancements cost SIGNIFICANTLY more!</a:t>
+            </a:r>
+          </a:p>
+          <a:p>
+            <a:pPr lvl="3"/>
+            <a:endParaRPr lang="en-US" dirty="0"/>
+          </a:p>
+          <a:p>
+            <a:pPr lvl="1"/>
+            <a:r>
+              <a:rPr lang="en-US" dirty="0"/>
+              <a:t>We did our best to maintain a balance between these two in order to provide you the best, most usable product we could in the time give.</a:t>
+            </a:r>
+          </a:p>
+          <a:p>
+            <a:pPr lvl="1"/>
+            <a:endParaRPr lang="en-US" dirty="0"/>
+          </a:p>
+        </p:txBody>
+      </p:sp>
     </p:spTree>
     <p:extLst>
       <p:ext uri="{BB962C8B-B14F-4D97-AF65-F5344CB8AC3E}">
-        <p14:creationId xmlns:p14="http://schemas.microsoft.com/office/powerpoint/2010/main" val="334673308"/>
+        <p14:creationId xmlns:p14="http://schemas.microsoft.com/office/powerpoint/2010/main" val="3923791570"/>
       </p:ext>
     </p:extLst>
   </p:cSld>
@@ -8680,7 +6885,7 @@
           <a:p>
             <a:r>
               <a:rPr lang="en-US" dirty="0"/>
-              <a:t>Status – Last Week</a:t>
+              <a:t>Questions???</a:t>
             </a:r>
           </a:p>
         </p:txBody>
@@ -8704,24 +6909,8 @@
           <a:p>
             <a:pPr lvl="1"/>
             <a:r>
-              <a:rPr lang="en-US" dirty="0"/>
-              <a:t>Paperwork </a:t>
-            </a:r>
-            <a:r>
-              <a:rPr lang="en-US" dirty="0" err="1"/>
-              <a:t>paperwork</a:t>
-            </a:r>
-            <a:r>
-              <a:rPr lang="en-US" dirty="0"/>
-              <a:t> </a:t>
-            </a:r>
-            <a:r>
-              <a:rPr lang="en-US" dirty="0" err="1"/>
-              <a:t>paperwork</a:t>
-            </a:r>
-            <a:r>
-              <a:rPr lang="en-US" dirty="0"/>
-              <a:t>		(14 hours)</a:t>
+              <a:rPr lang="en-US" sz="19900" dirty="0"/>
+              <a:t>?</a:t>
             </a:r>
           </a:p>
         </p:txBody>
@@ -8729,7 +6918,7 @@
     </p:spTree>
     <p:extLst>
       <p:ext uri="{BB962C8B-B14F-4D97-AF65-F5344CB8AC3E}">
-        <p14:creationId xmlns:p14="http://schemas.microsoft.com/office/powerpoint/2010/main" val="1249815204"/>
+        <p14:creationId xmlns:p14="http://schemas.microsoft.com/office/powerpoint/2010/main" val="287744777"/>
       </p:ext>
     </p:extLst>
   </p:cSld>
@@ -8851,227 +7040,6 @@
     <p:extLst>
       <p:ext uri="{BB962C8B-B14F-4D97-AF65-F5344CB8AC3E}">
         <p14:creationId xmlns:p14="http://schemas.microsoft.com/office/powerpoint/2010/main" val="2357357011"/>
-      </p:ext>
-    </p:extLst>
-  </p:cSld>
-  <p:clrMapOvr>
-    <a:masterClrMapping/>
-  </p:clrMapOvr>
-</p:sld>
-</file>
-
-<file path=ppt/slides/slide20.xml><?xml version="1.0" encoding="utf-8"?>
-<p:sld xmlns:a="http://schemas.openxmlformats.org/drawingml/2006/main" xmlns:r="http://schemas.openxmlformats.org/officeDocument/2006/relationships" xmlns:p="http://schemas.openxmlformats.org/presentationml/2006/main">
-  <p:cSld>
-    <p:spTree>
-      <p:nvGrpSpPr>
-        <p:cNvPr id="1" name=""/>
-        <p:cNvGrpSpPr/>
-        <p:nvPr/>
-      </p:nvGrpSpPr>
-      <p:grpSpPr>
-        <a:xfrm>
-          <a:off x="0" y="0"/>
-          <a:ext cx="0" cy="0"/>
-          <a:chOff x="0" y="0"/>
-          <a:chExt cx="0" cy="0"/>
-        </a:xfrm>
-      </p:grpSpPr>
-      <p:sp>
-        <p:nvSpPr>
-          <p:cNvPr id="2" name="Title 1"/>
-          <p:cNvSpPr>
-            <a:spLocks noGrp="1"/>
-          </p:cNvSpPr>
-          <p:nvPr>
-            <p:ph type="title"/>
-          </p:nvPr>
-        </p:nvSpPr>
-        <p:spPr/>
-        <p:txBody>
-          <a:bodyPr/>
-          <a:lstStyle/>
-          <a:p>
-            <a:r>
-              <a:rPr lang="en-US" dirty="0"/>
-              <a:t>Status – This Week</a:t>
-            </a:r>
-          </a:p>
-        </p:txBody>
-      </p:sp>
-      <p:sp>
-        <p:nvSpPr>
-          <p:cNvPr id="3" name="Content Placeholder 2"/>
-          <p:cNvSpPr>
-            <a:spLocks noGrp="1"/>
-          </p:cNvSpPr>
-          <p:nvPr>
-            <p:ph idx="1"/>
-          </p:nvPr>
-        </p:nvSpPr>
-        <p:spPr/>
-        <p:txBody>
-          <a:bodyPr>
-            <a:normAutofit/>
-          </a:bodyPr>
-          <a:lstStyle/>
-          <a:p>
-            <a:pPr lvl="1"/>
-            <a:r>
-              <a:rPr lang="en-US" dirty="0"/>
-              <a:t>Begin implementing features</a:t>
-            </a:r>
-          </a:p>
-          <a:p>
-            <a:pPr lvl="2"/>
-            <a:r>
-              <a:rPr lang="en-US" dirty="0"/>
-              <a:t>Establish UI Framework and tooling</a:t>
-            </a:r>
-          </a:p>
-          <a:p>
-            <a:pPr lvl="2"/>
-            <a:r>
-              <a:rPr lang="en-US" dirty="0"/>
-              <a:t>Establish back end framework layers and achieve Oracle connection</a:t>
-            </a:r>
-          </a:p>
-          <a:p>
-            <a:pPr lvl="2"/>
-            <a:r>
-              <a:rPr lang="en-US" dirty="0"/>
-              <a:t>Landing Page</a:t>
-            </a:r>
-          </a:p>
-          <a:p>
-            <a:pPr lvl="2"/>
-            <a:r>
-              <a:rPr lang="en-US" dirty="0"/>
-              <a:t>Logo</a:t>
-            </a:r>
-          </a:p>
-          <a:p>
-            <a:pPr lvl="2"/>
-            <a:r>
-              <a:rPr lang="en-US" dirty="0"/>
-              <a:t>Login / Security</a:t>
-            </a:r>
-          </a:p>
-          <a:p>
-            <a:pPr lvl="2"/>
-            <a:r>
-              <a:rPr lang="en-US" dirty="0"/>
-              <a:t>Navigation</a:t>
-            </a:r>
-          </a:p>
-          <a:p>
-            <a:pPr lvl="2"/>
-            <a:r>
-              <a:rPr lang="en-US" dirty="0"/>
-              <a:t>Encryption / Decryption of passwords and Tax ID (Social Security Number) </a:t>
-            </a:r>
-          </a:p>
-        </p:txBody>
-      </p:sp>
-    </p:spTree>
-    <p:extLst>
-      <p:ext uri="{BB962C8B-B14F-4D97-AF65-F5344CB8AC3E}">
-        <p14:creationId xmlns:p14="http://schemas.microsoft.com/office/powerpoint/2010/main" val="875800517"/>
-      </p:ext>
-    </p:extLst>
-  </p:cSld>
-  <p:clrMapOvr>
-    <a:masterClrMapping/>
-  </p:clrMapOvr>
-</p:sld>
-</file>
-
-<file path=ppt/slides/slide21.xml><?xml version="1.0" encoding="utf-8"?>
-<p:sld xmlns:a="http://schemas.openxmlformats.org/drawingml/2006/main" xmlns:r="http://schemas.openxmlformats.org/officeDocument/2006/relationships" xmlns:p="http://schemas.openxmlformats.org/presentationml/2006/main">
-  <p:cSld>
-    <p:spTree>
-      <p:nvGrpSpPr>
-        <p:cNvPr id="1" name=""/>
-        <p:cNvGrpSpPr/>
-        <p:nvPr/>
-      </p:nvGrpSpPr>
-      <p:grpSpPr>
-        <a:xfrm>
-          <a:off x="0" y="0"/>
-          <a:ext cx="0" cy="0"/>
-          <a:chOff x="0" y="0"/>
-          <a:chExt cx="0" cy="0"/>
-        </a:xfrm>
-      </p:grpSpPr>
-      <p:sp>
-        <p:nvSpPr>
-          <p:cNvPr id="2" name="Title 1"/>
-          <p:cNvSpPr>
-            <a:spLocks noGrp="1"/>
-          </p:cNvSpPr>
-          <p:nvPr>
-            <p:ph type="title"/>
-          </p:nvPr>
-        </p:nvSpPr>
-        <p:spPr/>
-        <p:txBody>
-          <a:bodyPr/>
-          <a:lstStyle/>
-          <a:p>
-            <a:r>
-              <a:rPr lang="en-US" dirty="0"/>
-              <a:t>Status – Challenges</a:t>
-            </a:r>
-          </a:p>
-        </p:txBody>
-      </p:sp>
-      <p:sp>
-        <p:nvSpPr>
-          <p:cNvPr id="3" name="Content Placeholder 2"/>
-          <p:cNvSpPr>
-            <a:spLocks noGrp="1"/>
-          </p:cNvSpPr>
-          <p:nvPr>
-            <p:ph idx="1"/>
-          </p:nvPr>
-        </p:nvSpPr>
-        <p:spPr/>
-        <p:txBody>
-          <a:bodyPr>
-            <a:normAutofit/>
-          </a:bodyPr>
-          <a:lstStyle/>
-          <a:p>
-            <a:pPr lvl="1"/>
-            <a:r>
-              <a:rPr lang="en-US" dirty="0"/>
-              <a:t>Spent a lot of time struggling with Entity Framework</a:t>
-            </a:r>
-          </a:p>
-          <a:p>
-            <a:pPr lvl="2"/>
-            <a:r>
-              <a:rPr lang="en-US" dirty="0"/>
-              <a:t>Couldn’t get it working despite many videos/tutorials showing it working</a:t>
-            </a:r>
-          </a:p>
-          <a:p>
-            <a:pPr lvl="2"/>
-            <a:r>
-              <a:rPr lang="en-US" dirty="0"/>
-              <a:t>Research shows that Oracle doesn’t play nicely with .NET 4.0 and Entity Framework</a:t>
-            </a:r>
-          </a:p>
-          <a:p>
-            <a:pPr lvl="1"/>
-            <a:endParaRPr lang="en-US" dirty="0"/>
-          </a:p>
-        </p:txBody>
-      </p:sp>
-    </p:spTree>
-    <p:extLst>
-      <p:ext uri="{BB962C8B-B14F-4D97-AF65-F5344CB8AC3E}">
-        <p14:creationId xmlns:p14="http://schemas.microsoft.com/office/powerpoint/2010/main" val="3923791570"/>
       </p:ext>
     </p:extLst>
   </p:cSld>
@@ -9352,20 +7320,6 @@
             <a:pPr lvl="1"/>
             <a:r>
               <a:rPr lang="en-US" dirty="0"/>
-              <a:t>View/create Payments</a:t>
-            </a:r>
-          </a:p>
-          <a:p>
-            <a:pPr lvl="1"/>
-            <a:r>
-              <a:rPr lang="en-US" dirty="0"/>
-              <a:t>Services</a:t>
-            </a:r>
-          </a:p>
-          <a:p>
-            <a:pPr lvl="1"/>
-            <a:r>
-              <a:rPr lang="en-US" dirty="0"/>
               <a:t>Designate primary insurance holder</a:t>
             </a:r>
           </a:p>
@@ -9481,21 +7435,21 @@
             <a:pPr lvl="1"/>
             <a:r>
               <a:rPr lang="en-US" dirty="0"/>
-              <a:t>Create/view/update appointments</a:t>
+              <a:t>Create/view/cancel appointments</a:t>
             </a:r>
           </a:p>
           <a:p>
             <a:pPr lvl="1"/>
             <a:r>
               <a:rPr lang="en-US" dirty="0"/>
-              <a:t>Process payments</a:t>
+              <a:t>Generate reports</a:t>
             </a:r>
           </a:p>
           <a:p>
             <a:pPr lvl="1"/>
             <a:r>
               <a:rPr lang="en-US" dirty="0"/>
-              <a:t>Generate reports</a:t>
+              <a:t>Create/view/edit qualifications</a:t>
             </a:r>
           </a:p>
         </p:txBody>
@@ -9620,14 +7574,7 @@
             <a:pPr lvl="1"/>
             <a:r>
               <a:rPr lang="en-US" dirty="0"/>
-              <a:t>Create/edit qualifications</a:t>
-            </a:r>
-          </a:p>
-          <a:p>
-            <a:pPr lvl="1"/>
-            <a:r>
-              <a:rPr lang="en-US" dirty="0"/>
-              <a:t>Create/edit allowed insurance</a:t>
+              <a:t>Create/edit own qualifications</a:t>
             </a:r>
           </a:p>
         </p:txBody>
@@ -9717,21 +7664,7 @@
             <a:pPr lvl="2"/>
             <a:r>
               <a:rPr lang="en-US" dirty="0"/>
-              <a:t>Scheduling, Payments, History, Insurance, Dependents</a:t>
-            </a:r>
-          </a:p>
-          <a:p>
-            <a:pPr lvl="1"/>
-            <a:r>
-              <a:rPr lang="en-US" dirty="0"/>
-              <a:t>Make payments</a:t>
-            </a:r>
-          </a:p>
-          <a:p>
-            <a:pPr lvl="1"/>
-            <a:r>
-              <a:rPr lang="en-US" dirty="0"/>
-              <a:t>Cancel appointments</a:t>
+              <a:t>View Appointments (including charge history) and Profile Info</a:t>
             </a:r>
           </a:p>
         </p:txBody>
@@ -9821,7 +7754,7 @@
             <a:pPr lvl="1"/>
             <a:r>
               <a:rPr lang="en-US" dirty="0"/>
-              <a:t>Create and edit appointments and payments</a:t>
+              <a:t>Create and cancel appointments</a:t>
             </a:r>
           </a:p>
           <a:p>
